--- a/Presentations/GP_6_min.pptx
+++ b/Presentations/GP_6_min.pptx
@@ -10,20 +10,25 @@
     <p:sldMasterId id="2147483727" r:id="rId6"/>
   </p:sldMasterIdLst>
   <p:notesMasterIdLst>
-    <p:notesMasterId r:id="rId18"/>
+    <p:notesMasterId r:id="rId23"/>
   </p:notesMasterIdLst>
   <p:sldIdLst>
     <p:sldId id="256" r:id="rId7"/>
-    <p:sldId id="267" r:id="rId8"/>
-    <p:sldId id="260" r:id="rId9"/>
-    <p:sldId id="262" r:id="rId10"/>
-    <p:sldId id="263" r:id="rId11"/>
-    <p:sldId id="264" r:id="rId12"/>
-    <p:sldId id="266" r:id="rId13"/>
-    <p:sldId id="265" r:id="rId14"/>
-    <p:sldId id="268" r:id="rId15"/>
-    <p:sldId id="269" r:id="rId16"/>
-    <p:sldId id="270" r:id="rId17"/>
+    <p:sldId id="260" r:id="rId8"/>
+    <p:sldId id="262" r:id="rId9"/>
+    <p:sldId id="263" r:id="rId10"/>
+    <p:sldId id="264" r:id="rId11"/>
+    <p:sldId id="266" r:id="rId12"/>
+    <p:sldId id="265" r:id="rId13"/>
+    <p:sldId id="268" r:id="rId14"/>
+    <p:sldId id="272" r:id="rId15"/>
+    <p:sldId id="273" r:id="rId16"/>
+    <p:sldId id="274" r:id="rId17"/>
+    <p:sldId id="276" r:id="rId18"/>
+    <p:sldId id="277" r:id="rId19"/>
+    <p:sldId id="270" r:id="rId20"/>
+    <p:sldId id="275" r:id="rId21"/>
+    <p:sldId id="267" r:id="rId22"/>
   </p:sldIdLst>
   <p:sldSz cx="9144000" cy="6858000" type="screen4x3"/>
   <p:notesSz cx="6858000" cy="9144000"/>
@@ -208,7 +213,7 @@
             <a:fld id="{03AD4BF8-8EE4-4F12-A729-42D4F6959201}" type="datetimeFigureOut">
               <a:rPr lang="en-US" smtClean="0"/>
               <a:pPr/>
-              <a:t>9/25/2015</a:t>
+              <a:t>9/27/2015</a:t>
             </a:fld>
             <a:endParaRPr lang="en-US"/>
           </a:p>
@@ -542,7 +547,7 @@
             <a:fld id="{8D6E3B66-EA79-454E-A32F-3F1588451DCD}" type="slidenum">
               <a:rPr lang="en-US" smtClean="0"/>
               <a:pPr/>
-              <a:t>5</a:t>
+              <a:t>4</a:t>
             </a:fld>
             <a:endParaRPr lang="en-US"/>
           </a:p>
@@ -624,7 +629,7 @@
             <a:fld id="{8D6E3B66-EA79-454E-A32F-3F1588451DCD}" type="slidenum">
               <a:rPr lang="en-US" smtClean="0"/>
               <a:pPr/>
-              <a:t>6</a:t>
+              <a:t>5</a:t>
             </a:fld>
             <a:endParaRPr lang="en-US"/>
           </a:p>
@@ -706,7 +711,7 @@
             <a:fld id="{8D6E3B66-EA79-454E-A32F-3F1588451DCD}" type="slidenum">
               <a:rPr lang="en-US" smtClean="0"/>
               <a:pPr/>
-              <a:t>7</a:t>
+              <a:t>6</a:t>
             </a:fld>
             <a:endParaRPr lang="en-US"/>
           </a:p>
@@ -902,7 +907,7 @@
             <a:fld id="{DE7D154F-5449-4A3B-AED1-54A32EF6402A}" type="datetimeFigureOut">
               <a:rPr lang="en-US" smtClean="0"/>
               <a:pPr/>
-              <a:t>9/25/2015</a:t>
+              <a:t>9/27/2015</a:t>
             </a:fld>
             <a:endParaRPr lang="en-US"/>
           </a:p>
@@ -1076,7 +1081,7 @@
             <a:fld id="{DE7D154F-5449-4A3B-AED1-54A32EF6402A}" type="datetimeFigureOut">
               <a:rPr lang="en-US" smtClean="0"/>
               <a:pPr/>
-              <a:t>9/25/2015</a:t>
+              <a:t>9/27/2015</a:t>
             </a:fld>
             <a:endParaRPr lang="en-US"/>
           </a:p>
@@ -1260,7 +1265,7 @@
             <a:fld id="{DE7D154F-5449-4A3B-AED1-54A32EF6402A}" type="datetimeFigureOut">
               <a:rPr lang="en-US" smtClean="0"/>
               <a:pPr/>
-              <a:t>9/25/2015</a:t>
+              <a:t>9/27/2015</a:t>
             </a:fld>
             <a:endParaRPr lang="en-US"/>
           </a:p>
@@ -1507,7 +1512,7 @@
             <a:fld id="{DE7D154F-5449-4A3B-AED1-54A32EF6402A}" type="datetimeFigureOut">
               <a:rPr lang="en-US" smtClean="0"/>
               <a:pPr/>
-              <a:t>9/25/2015</a:t>
+              <a:t>9/27/2015</a:t>
             </a:fld>
             <a:endParaRPr lang="en-US"/>
           </a:p>
@@ -1546,7 +1551,7 @@
     </p:spTree>
     <p:extLst>
       <p:ext uri="{BB962C8B-B14F-4D97-AF65-F5344CB8AC3E}">
-        <p14:creationId xmlns="" xmlns:p14="http://schemas.microsoft.com/office/powerpoint/2010/main" val="983703619"/>
+        <p14:creationId xmlns:p14="http://schemas.microsoft.com/office/powerpoint/2010/main" xmlns="" val="983703619"/>
       </p:ext>
     </p:extLst>
   </p:cSld>
@@ -1829,7 +1834,7 @@
     </p:spTree>
     <p:extLst>
       <p:ext uri="{BB962C8B-B14F-4D97-AF65-F5344CB8AC3E}">
-        <p14:creationId xmlns="" xmlns:p14="http://schemas.microsoft.com/office/powerpoint/2010/main" val="3986282544"/>
+        <p14:creationId xmlns:p14="http://schemas.microsoft.com/office/powerpoint/2010/main" xmlns="" val="3986282544"/>
       </p:ext>
     </p:extLst>
   </p:cSld>
@@ -2104,7 +2109,7 @@
     </p:spTree>
     <p:extLst>
       <p:ext uri="{BB962C8B-B14F-4D97-AF65-F5344CB8AC3E}">
-        <p14:creationId xmlns="" xmlns:p14="http://schemas.microsoft.com/office/powerpoint/2010/main" val="1023862549"/>
+        <p14:creationId xmlns:p14="http://schemas.microsoft.com/office/powerpoint/2010/main" xmlns="" val="1023862549"/>
       </p:ext>
     </p:extLst>
   </p:cSld>
@@ -2398,7 +2403,7 @@
     </p:spTree>
     <p:extLst>
       <p:ext uri="{BB962C8B-B14F-4D97-AF65-F5344CB8AC3E}">
-        <p14:creationId xmlns="" xmlns:p14="http://schemas.microsoft.com/office/powerpoint/2010/main" val="4061840692"/>
+        <p14:creationId xmlns:p14="http://schemas.microsoft.com/office/powerpoint/2010/main" xmlns="" val="4061840692"/>
       </p:ext>
     </p:extLst>
   </p:cSld>
@@ -2781,7 +2786,7 @@
     </p:spTree>
     <p:extLst>
       <p:ext uri="{BB962C8B-B14F-4D97-AF65-F5344CB8AC3E}">
-        <p14:creationId xmlns="" xmlns:p14="http://schemas.microsoft.com/office/powerpoint/2010/main" val="4190528143"/>
+        <p14:creationId xmlns:p14="http://schemas.microsoft.com/office/powerpoint/2010/main" xmlns="" val="4190528143"/>
       </p:ext>
     </p:extLst>
   </p:cSld>
@@ -3298,7 +3303,7 @@
     </p:spTree>
     <p:extLst>
       <p:ext uri="{BB962C8B-B14F-4D97-AF65-F5344CB8AC3E}">
-        <p14:creationId xmlns="" xmlns:p14="http://schemas.microsoft.com/office/powerpoint/2010/main" val="144114372"/>
+        <p14:creationId xmlns:p14="http://schemas.microsoft.com/office/powerpoint/2010/main" xmlns="" val="144114372"/>
       </p:ext>
     </p:extLst>
   </p:cSld>
@@ -3511,7 +3516,7 @@
     </p:spTree>
     <p:extLst>
       <p:ext uri="{BB962C8B-B14F-4D97-AF65-F5344CB8AC3E}">
-        <p14:creationId xmlns="" xmlns:p14="http://schemas.microsoft.com/office/powerpoint/2010/main" val="3257169021"/>
+        <p14:creationId xmlns:p14="http://schemas.microsoft.com/office/powerpoint/2010/main" xmlns="" val="3257169021"/>
       </p:ext>
     </p:extLst>
   </p:cSld>
@@ -3701,7 +3706,7 @@
     </p:spTree>
     <p:extLst>
       <p:ext uri="{BB962C8B-B14F-4D97-AF65-F5344CB8AC3E}">
-        <p14:creationId xmlns="" xmlns:p14="http://schemas.microsoft.com/office/powerpoint/2010/main" val="2032233561"/>
+        <p14:creationId xmlns:p14="http://schemas.microsoft.com/office/powerpoint/2010/main" xmlns="" val="2032233561"/>
       </p:ext>
     </p:extLst>
   </p:cSld>
@@ -3829,7 +3834,7 @@
             <a:fld id="{DE7D154F-5449-4A3B-AED1-54A32EF6402A}" type="datetimeFigureOut">
               <a:rPr lang="en-US" smtClean="0"/>
               <a:pPr/>
-              <a:t>9/25/2015</a:t>
+              <a:t>9/27/2015</a:t>
             </a:fld>
             <a:endParaRPr lang="en-US"/>
           </a:p>
@@ -4255,7 +4260,7 @@
     </p:spTree>
     <p:extLst>
       <p:ext uri="{BB962C8B-B14F-4D97-AF65-F5344CB8AC3E}">
-        <p14:creationId xmlns="" xmlns:p14="http://schemas.microsoft.com/office/powerpoint/2010/main" val="3339665248"/>
+        <p14:creationId xmlns:p14="http://schemas.microsoft.com/office/powerpoint/2010/main" xmlns="" val="3339665248"/>
       </p:ext>
     </p:extLst>
   </p:cSld>
@@ -4607,7 +4612,7 @@
     </p:spTree>
     <p:extLst>
       <p:ext uri="{BB962C8B-B14F-4D97-AF65-F5344CB8AC3E}">
-        <p14:creationId xmlns="" xmlns:p14="http://schemas.microsoft.com/office/powerpoint/2010/main" val="1164213639"/>
+        <p14:creationId xmlns:p14="http://schemas.microsoft.com/office/powerpoint/2010/main" xmlns="" val="1164213639"/>
       </p:ext>
     </p:extLst>
   </p:cSld>
@@ -4872,7 +4877,7 @@
     </p:spTree>
     <p:extLst>
       <p:ext uri="{BB962C8B-B14F-4D97-AF65-F5344CB8AC3E}">
-        <p14:creationId xmlns="" xmlns:p14="http://schemas.microsoft.com/office/powerpoint/2010/main" val="2111844705"/>
+        <p14:creationId xmlns:p14="http://schemas.microsoft.com/office/powerpoint/2010/main" xmlns="" val="2111844705"/>
       </p:ext>
     </p:extLst>
   </p:cSld>
@@ -5147,7 +5152,7 @@
     </p:spTree>
     <p:extLst>
       <p:ext uri="{BB962C8B-B14F-4D97-AF65-F5344CB8AC3E}">
-        <p14:creationId xmlns="" xmlns:p14="http://schemas.microsoft.com/office/powerpoint/2010/main" val="3227662732"/>
+        <p14:creationId xmlns:p14="http://schemas.microsoft.com/office/powerpoint/2010/main" xmlns="" val="3227662732"/>
       </p:ext>
     </p:extLst>
   </p:cSld>
@@ -5536,7 +5541,7 @@
     </p:spTree>
     <p:extLst>
       <p:ext uri="{BB962C8B-B14F-4D97-AF65-F5344CB8AC3E}">
-        <p14:creationId xmlns="" xmlns:p14="http://schemas.microsoft.com/office/powerpoint/2010/main" val="3830479497"/>
+        <p14:creationId xmlns:p14="http://schemas.microsoft.com/office/powerpoint/2010/main" xmlns="" val="3830479497"/>
       </p:ext>
     </p:extLst>
   </p:cSld>
@@ -5783,7 +5788,7 @@
     </p:spTree>
     <p:extLst>
       <p:ext uri="{BB962C8B-B14F-4D97-AF65-F5344CB8AC3E}">
-        <p14:creationId xmlns="" xmlns:p14="http://schemas.microsoft.com/office/powerpoint/2010/main" val="547279223"/>
+        <p14:creationId xmlns:p14="http://schemas.microsoft.com/office/powerpoint/2010/main" xmlns="" val="547279223"/>
       </p:ext>
     </p:extLst>
   </p:cSld>
@@ -5981,7 +5986,7 @@
                 </a:solidFill>
               </a:rPr>
               <a:pPr/>
-              <a:t>9/25/2015</a:t>
+              <a:t>9/27/2015</a:t>
             </a:fld>
             <a:endParaRPr lang="en-US">
               <a:solidFill>
@@ -6203,7 +6208,7 @@
                 </a:solidFill>
               </a:rPr>
               <a:pPr/>
-              <a:t>9/25/2015</a:t>
+              <a:t>9/27/2015</a:t>
             </a:fld>
             <a:endParaRPr lang="en-US">
               <a:solidFill>
@@ -6493,7 +6498,7 @@
                 </a:solidFill>
               </a:rPr>
               <a:pPr/>
-              <a:t>9/25/2015</a:t>
+              <a:t>9/27/2015</a:t>
             </a:fld>
             <a:endParaRPr lang="en-US">
               <a:solidFill>
@@ -6825,7 +6830,7 @@
                 </a:solidFill>
               </a:rPr>
               <a:pPr/>
-              <a:t>9/25/2015</a:t>
+              <a:t>9/27/2015</a:t>
             </a:fld>
             <a:endParaRPr lang="en-US">
               <a:solidFill>
@@ -7109,7 +7114,7 @@
             <a:fld id="{DE7D154F-5449-4A3B-AED1-54A32EF6402A}" type="datetimeFigureOut">
               <a:rPr lang="en-US" smtClean="0"/>
               <a:pPr/>
-              <a:t>9/25/2015</a:t>
+              <a:t>9/27/2015</a:t>
             </a:fld>
             <a:endParaRPr lang="en-US"/>
           </a:p>
@@ -7541,7 +7546,7 @@
                 </a:solidFill>
               </a:rPr>
               <a:pPr/>
-              <a:t>9/25/2015</a:t>
+              <a:t>9/27/2015</a:t>
             </a:fld>
             <a:endParaRPr lang="en-US">
               <a:solidFill>
@@ -7708,7 +7713,7 @@
                 </a:solidFill>
               </a:rPr>
               <a:pPr/>
-              <a:t>9/25/2015</a:t>
+              <a:t>9/27/2015</a:t>
             </a:fld>
             <a:endParaRPr lang="en-US">
               <a:solidFill>
@@ -7847,7 +7852,7 @@
                 </a:solidFill>
               </a:rPr>
               <a:pPr/>
-              <a:t>9/25/2015</a:t>
+              <a:t>9/27/2015</a:t>
             </a:fld>
             <a:endParaRPr lang="en-US">
               <a:solidFill>
@@ -8168,7 +8173,7 @@
                 </a:solidFill>
               </a:rPr>
               <a:pPr/>
-              <a:t>9/25/2015</a:t>
+              <a:t>9/27/2015</a:t>
             </a:fld>
             <a:endParaRPr lang="en-US">
               <a:solidFill>
@@ -8469,7 +8474,7 @@
                 </a:solidFill>
               </a:rPr>
               <a:pPr/>
-              <a:t>9/25/2015</a:t>
+              <a:t>9/27/2015</a:t>
             </a:fld>
             <a:endParaRPr lang="en-US">
               <a:solidFill>
@@ -8676,7 +8681,7 @@
                 </a:solidFill>
               </a:rPr>
               <a:pPr/>
-              <a:t>9/25/2015</a:t>
+              <a:t>9/27/2015</a:t>
             </a:fld>
             <a:endParaRPr lang="en-US">
               <a:solidFill>
@@ -8900,7 +8905,7 @@
                 </a:solidFill>
               </a:rPr>
               <a:pPr/>
-              <a:t>9/25/2015</a:t>
+              <a:t>9/27/2015</a:t>
             </a:fld>
             <a:endParaRPr lang="en-US">
               <a:solidFill>
@@ -9192,7 +9197,7 @@
               <a:pPr>
                 <a:defRPr/>
               </a:pPr>
-              <a:t>9/25/2015</a:t>
+              <a:t>9/27/2015</a:t>
             </a:fld>
             <a:endParaRPr lang="en-US">
               <a:solidFill>
@@ -9254,7 +9259,7 @@
     </p:spTree>
     <p:extLst>
       <p:ext uri="{BB962C8B-B14F-4D97-AF65-F5344CB8AC3E}">
-        <p14:creationId xmlns="" xmlns:p14="http://schemas.microsoft.com/office/powerpoint/2010/main" val="983703619"/>
+        <p14:creationId xmlns:p14="http://schemas.microsoft.com/office/powerpoint/2010/main" xmlns="" val="983703619"/>
       </p:ext>
     </p:extLst>
   </p:cSld>
@@ -9537,7 +9542,7 @@
     </p:spTree>
     <p:extLst>
       <p:ext uri="{BB962C8B-B14F-4D97-AF65-F5344CB8AC3E}">
-        <p14:creationId xmlns="" xmlns:p14="http://schemas.microsoft.com/office/powerpoint/2010/main" val="3986282544"/>
+        <p14:creationId xmlns:p14="http://schemas.microsoft.com/office/powerpoint/2010/main" xmlns="" val="3986282544"/>
       </p:ext>
     </p:extLst>
   </p:cSld>
@@ -9812,7 +9817,7 @@
     </p:spTree>
     <p:extLst>
       <p:ext uri="{BB962C8B-B14F-4D97-AF65-F5344CB8AC3E}">
-        <p14:creationId xmlns="" xmlns:p14="http://schemas.microsoft.com/office/powerpoint/2010/main" val="1023862549"/>
+        <p14:creationId xmlns:p14="http://schemas.microsoft.com/office/powerpoint/2010/main" xmlns="" val="1023862549"/>
       </p:ext>
     </p:extLst>
   </p:cSld>
@@ -10057,7 +10062,7 @@
             <a:fld id="{DE7D154F-5449-4A3B-AED1-54A32EF6402A}" type="datetimeFigureOut">
               <a:rPr lang="en-US" smtClean="0"/>
               <a:pPr/>
-              <a:t>9/25/2015</a:t>
+              <a:t>9/27/2015</a:t>
             </a:fld>
             <a:endParaRPr lang="en-US"/>
           </a:p>
@@ -10398,7 +10403,7 @@
     </p:spTree>
     <p:extLst>
       <p:ext uri="{BB962C8B-B14F-4D97-AF65-F5344CB8AC3E}">
-        <p14:creationId xmlns="" xmlns:p14="http://schemas.microsoft.com/office/powerpoint/2010/main" val="4061840692"/>
+        <p14:creationId xmlns:p14="http://schemas.microsoft.com/office/powerpoint/2010/main" xmlns="" val="4061840692"/>
       </p:ext>
     </p:extLst>
   </p:cSld>
@@ -10781,7 +10786,7 @@
     </p:spTree>
     <p:extLst>
       <p:ext uri="{BB962C8B-B14F-4D97-AF65-F5344CB8AC3E}">
-        <p14:creationId xmlns="" xmlns:p14="http://schemas.microsoft.com/office/powerpoint/2010/main" val="4190528143"/>
+        <p14:creationId xmlns:p14="http://schemas.microsoft.com/office/powerpoint/2010/main" xmlns="" val="4190528143"/>
       </p:ext>
     </p:extLst>
   </p:cSld>
@@ -11298,7 +11303,7 @@
     </p:spTree>
     <p:extLst>
       <p:ext uri="{BB962C8B-B14F-4D97-AF65-F5344CB8AC3E}">
-        <p14:creationId xmlns="" xmlns:p14="http://schemas.microsoft.com/office/powerpoint/2010/main" val="144114372"/>
+        <p14:creationId xmlns:p14="http://schemas.microsoft.com/office/powerpoint/2010/main" xmlns="" val="144114372"/>
       </p:ext>
     </p:extLst>
   </p:cSld>
@@ -11511,7 +11516,7 @@
     </p:spTree>
     <p:extLst>
       <p:ext uri="{BB962C8B-B14F-4D97-AF65-F5344CB8AC3E}">
-        <p14:creationId xmlns="" xmlns:p14="http://schemas.microsoft.com/office/powerpoint/2010/main" val="3257169021"/>
+        <p14:creationId xmlns:p14="http://schemas.microsoft.com/office/powerpoint/2010/main" xmlns="" val="3257169021"/>
       </p:ext>
     </p:extLst>
   </p:cSld>
@@ -11701,7 +11706,7 @@
     </p:spTree>
     <p:extLst>
       <p:ext uri="{BB962C8B-B14F-4D97-AF65-F5344CB8AC3E}">
-        <p14:creationId xmlns="" xmlns:p14="http://schemas.microsoft.com/office/powerpoint/2010/main" val="2032233561"/>
+        <p14:creationId xmlns:p14="http://schemas.microsoft.com/office/powerpoint/2010/main" xmlns="" val="2032233561"/>
       </p:ext>
     </p:extLst>
   </p:cSld>
@@ -12073,7 +12078,7 @@
     </p:spTree>
     <p:extLst>
       <p:ext uri="{BB962C8B-B14F-4D97-AF65-F5344CB8AC3E}">
-        <p14:creationId xmlns="" xmlns:p14="http://schemas.microsoft.com/office/powerpoint/2010/main" val="3339665248"/>
+        <p14:creationId xmlns:p14="http://schemas.microsoft.com/office/powerpoint/2010/main" xmlns="" val="3339665248"/>
       </p:ext>
     </p:extLst>
   </p:cSld>
@@ -12425,7 +12430,7 @@
     </p:spTree>
     <p:extLst>
       <p:ext uri="{BB962C8B-B14F-4D97-AF65-F5344CB8AC3E}">
-        <p14:creationId xmlns="" xmlns:p14="http://schemas.microsoft.com/office/powerpoint/2010/main" val="1164213639"/>
+        <p14:creationId xmlns:p14="http://schemas.microsoft.com/office/powerpoint/2010/main" xmlns="" val="1164213639"/>
       </p:ext>
     </p:extLst>
   </p:cSld>
@@ -12690,7 +12695,7 @@
     </p:spTree>
     <p:extLst>
       <p:ext uri="{BB962C8B-B14F-4D97-AF65-F5344CB8AC3E}">
-        <p14:creationId xmlns="" xmlns:p14="http://schemas.microsoft.com/office/powerpoint/2010/main" val="2111844705"/>
+        <p14:creationId xmlns:p14="http://schemas.microsoft.com/office/powerpoint/2010/main" xmlns="" val="2111844705"/>
       </p:ext>
     </p:extLst>
   </p:cSld>
@@ -12965,7 +12970,7 @@
     </p:spTree>
     <p:extLst>
       <p:ext uri="{BB962C8B-B14F-4D97-AF65-F5344CB8AC3E}">
-        <p14:creationId xmlns="" xmlns:p14="http://schemas.microsoft.com/office/powerpoint/2010/main" val="3227662732"/>
+        <p14:creationId xmlns:p14="http://schemas.microsoft.com/office/powerpoint/2010/main" xmlns="" val="3227662732"/>
       </p:ext>
     </p:extLst>
   </p:cSld>
@@ -13354,7 +13359,7 @@
     </p:spTree>
     <p:extLst>
       <p:ext uri="{BB962C8B-B14F-4D97-AF65-F5344CB8AC3E}">
-        <p14:creationId xmlns="" xmlns:p14="http://schemas.microsoft.com/office/powerpoint/2010/main" val="3830479497"/>
+        <p14:creationId xmlns:p14="http://schemas.microsoft.com/office/powerpoint/2010/main" xmlns="" val="3830479497"/>
       </p:ext>
     </p:extLst>
   </p:cSld>
@@ -13726,7 +13731,7 @@
             <a:fld id="{DE7D154F-5449-4A3B-AED1-54A32EF6402A}" type="datetimeFigureOut">
               <a:rPr lang="en-US" smtClean="0"/>
               <a:pPr/>
-              <a:t>9/25/2015</a:t>
+              <a:t>9/27/2015</a:t>
             </a:fld>
             <a:endParaRPr lang="en-US"/>
           </a:p>
@@ -14027,7 +14032,7 @@
     </p:spTree>
     <p:extLst>
       <p:ext uri="{BB962C8B-B14F-4D97-AF65-F5344CB8AC3E}">
-        <p14:creationId xmlns="" xmlns:p14="http://schemas.microsoft.com/office/powerpoint/2010/main" val="547279223"/>
+        <p14:creationId xmlns:p14="http://schemas.microsoft.com/office/powerpoint/2010/main" xmlns="" val="547279223"/>
       </p:ext>
     </p:extLst>
   </p:cSld>
@@ -14219,7 +14224,7 @@
             <a:fld id="{79EDB7E8-5BB3-49DC-8154-737FEEDA9919}" type="datetimeFigureOut">
               <a:rPr lang="en-US" smtClean="0"/>
               <a:pPr/>
-              <a:t>9/25/2015</a:t>
+              <a:t>9/27/2015</a:t>
             </a:fld>
             <a:endParaRPr lang="en-US"/>
           </a:p>
@@ -14401,7 +14406,7 @@
             <a:fld id="{79EDB7E8-5BB3-49DC-8154-737FEEDA9919}" type="datetimeFigureOut">
               <a:rPr lang="en-US" smtClean="0"/>
               <a:pPr/>
-              <a:t>9/25/2015</a:t>
+              <a:t>9/27/2015</a:t>
             </a:fld>
             <a:endParaRPr lang="en-US"/>
           </a:p>
@@ -14627,7 +14632,7 @@
             <a:fld id="{79EDB7E8-5BB3-49DC-8154-737FEEDA9919}" type="datetimeFigureOut">
               <a:rPr lang="en-US" smtClean="0"/>
               <a:pPr/>
-              <a:t>9/25/2015</a:t>
+              <a:t>9/27/2015</a:t>
             </a:fld>
             <a:endParaRPr lang="en-US"/>
           </a:p>
@@ -14895,7 +14900,7 @@
             <a:fld id="{79EDB7E8-5BB3-49DC-8154-737FEEDA9919}" type="datetimeFigureOut">
               <a:rPr lang="en-US" smtClean="0"/>
               <a:pPr/>
-              <a:t>9/25/2015</a:t>
+              <a:t>9/27/2015</a:t>
             </a:fld>
             <a:endParaRPr lang="en-US"/>
           </a:p>
@@ -15297,7 +15302,7 @@
             <a:fld id="{79EDB7E8-5BB3-49DC-8154-737FEEDA9919}" type="datetimeFigureOut">
               <a:rPr lang="en-US" smtClean="0"/>
               <a:pPr/>
-              <a:t>9/25/2015</a:t>
+              <a:t>9/27/2015</a:t>
             </a:fld>
             <a:endParaRPr lang="en-US"/>
           </a:p>
@@ -15400,7 +15405,7 @@
             <a:fld id="{79EDB7E8-5BB3-49DC-8154-737FEEDA9919}" type="datetimeFigureOut">
               <a:rPr lang="en-US" smtClean="0"/>
               <a:pPr/>
-              <a:t>9/25/2015</a:t>
+              <a:t>9/27/2015</a:t>
             </a:fld>
             <a:endParaRPr lang="en-US"/>
           </a:p>
@@ -15475,7 +15480,7 @@
             <a:fld id="{79EDB7E8-5BB3-49DC-8154-737FEEDA9919}" type="datetimeFigureOut">
               <a:rPr lang="en-US" smtClean="0"/>
               <a:pPr/>
-              <a:t>9/25/2015</a:t>
+              <a:t>9/27/2015</a:t>
             </a:fld>
             <a:endParaRPr lang="en-US"/>
           </a:p>
@@ -15732,7 +15737,7 @@
             <a:fld id="{79EDB7E8-5BB3-49DC-8154-737FEEDA9919}" type="datetimeFigureOut">
               <a:rPr lang="en-US" smtClean="0"/>
               <a:pPr/>
-              <a:t>9/25/2015</a:t>
+              <a:t>9/27/2015</a:t>
             </a:fld>
             <a:endParaRPr lang="en-US"/>
           </a:p>
@@ -15993,7 +15998,7 @@
             <a:fld id="{79EDB7E8-5BB3-49DC-8154-737FEEDA9919}" type="datetimeFigureOut">
               <a:rPr lang="en-US" smtClean="0"/>
               <a:pPr/>
-              <a:t>9/25/2015</a:t>
+              <a:t>9/27/2015</a:t>
             </a:fld>
             <a:endParaRPr lang="en-US"/>
           </a:p>
@@ -16113,7 +16118,7 @@
             <a:fld id="{DE7D154F-5449-4A3B-AED1-54A32EF6402A}" type="datetimeFigureOut">
               <a:rPr lang="en-US" smtClean="0"/>
               <a:pPr/>
-              <a:t>9/25/2015</a:t>
+              <a:t>9/27/2015</a:t>
             </a:fld>
             <a:endParaRPr lang="en-US"/>
           </a:p>
@@ -16287,7 +16292,7 @@
             <a:fld id="{79EDB7E8-5BB3-49DC-8154-737FEEDA9919}" type="datetimeFigureOut">
               <a:rPr lang="en-US" smtClean="0"/>
               <a:pPr/>
-              <a:t>9/25/2015</a:t>
+              <a:t>9/27/2015</a:t>
             </a:fld>
             <a:endParaRPr lang="en-US"/>
           </a:p>
@@ -16471,7 +16476,7 @@
             <a:fld id="{79EDB7E8-5BB3-49DC-8154-737FEEDA9919}" type="datetimeFigureOut">
               <a:rPr lang="en-US" smtClean="0"/>
               <a:pPr/>
-              <a:t>9/25/2015</a:t>
+              <a:t>9/27/2015</a:t>
             </a:fld>
             <a:endParaRPr lang="en-US"/>
           </a:p>
@@ -16718,7 +16723,7 @@
             <a:fld id="{79EDB7E8-5BB3-49DC-8154-737FEEDA9919}" type="datetimeFigureOut">
               <a:rPr lang="en-US" smtClean="0"/>
               <a:pPr/>
-              <a:t>9/25/2015</a:t>
+              <a:t>9/27/2015</a:t>
             </a:fld>
             <a:endParaRPr lang="en-US"/>
           </a:p>
@@ -16757,7 +16762,7 @@
     </p:spTree>
     <p:extLst>
       <p:ext uri="{BB962C8B-B14F-4D97-AF65-F5344CB8AC3E}">
-        <p14:creationId xmlns="" xmlns:p14="http://schemas.microsoft.com/office/powerpoint/2010/main" val="983703619"/>
+        <p14:creationId xmlns:p14="http://schemas.microsoft.com/office/powerpoint/2010/main" xmlns="" val="983703619"/>
       </p:ext>
     </p:extLst>
   </p:cSld>
@@ -17040,7 +17045,7 @@
     </p:spTree>
     <p:extLst>
       <p:ext uri="{BB962C8B-B14F-4D97-AF65-F5344CB8AC3E}">
-        <p14:creationId xmlns="" xmlns:p14="http://schemas.microsoft.com/office/powerpoint/2010/main" val="3986282544"/>
+        <p14:creationId xmlns:p14="http://schemas.microsoft.com/office/powerpoint/2010/main" xmlns="" val="3986282544"/>
       </p:ext>
     </p:extLst>
   </p:cSld>
@@ -17315,7 +17320,7 @@
     </p:spTree>
     <p:extLst>
       <p:ext uri="{BB962C8B-B14F-4D97-AF65-F5344CB8AC3E}">
-        <p14:creationId xmlns="" xmlns:p14="http://schemas.microsoft.com/office/powerpoint/2010/main" val="1023862549"/>
+        <p14:creationId xmlns:p14="http://schemas.microsoft.com/office/powerpoint/2010/main" xmlns="" val="1023862549"/>
       </p:ext>
     </p:extLst>
   </p:cSld>
@@ -17609,7 +17614,7 @@
     </p:spTree>
     <p:extLst>
       <p:ext uri="{BB962C8B-B14F-4D97-AF65-F5344CB8AC3E}">
-        <p14:creationId xmlns="" xmlns:p14="http://schemas.microsoft.com/office/powerpoint/2010/main" val="4061840692"/>
+        <p14:creationId xmlns:p14="http://schemas.microsoft.com/office/powerpoint/2010/main" xmlns="" val="4061840692"/>
       </p:ext>
     </p:extLst>
   </p:cSld>
@@ -17992,7 +17997,7 @@
     </p:spTree>
     <p:extLst>
       <p:ext uri="{BB962C8B-B14F-4D97-AF65-F5344CB8AC3E}">
-        <p14:creationId xmlns="" xmlns:p14="http://schemas.microsoft.com/office/powerpoint/2010/main" val="4190528143"/>
+        <p14:creationId xmlns:p14="http://schemas.microsoft.com/office/powerpoint/2010/main" xmlns="" val="4190528143"/>
       </p:ext>
     </p:extLst>
   </p:cSld>
@@ -18509,7 +18514,7 @@
     </p:spTree>
     <p:extLst>
       <p:ext uri="{BB962C8B-B14F-4D97-AF65-F5344CB8AC3E}">
-        <p14:creationId xmlns="" xmlns:p14="http://schemas.microsoft.com/office/powerpoint/2010/main" val="144114372"/>
+        <p14:creationId xmlns:p14="http://schemas.microsoft.com/office/powerpoint/2010/main" xmlns="" val="144114372"/>
       </p:ext>
     </p:extLst>
   </p:cSld>
@@ -18722,7 +18727,7 @@
     </p:spTree>
     <p:extLst>
       <p:ext uri="{BB962C8B-B14F-4D97-AF65-F5344CB8AC3E}">
-        <p14:creationId xmlns="" xmlns:p14="http://schemas.microsoft.com/office/powerpoint/2010/main" val="3257169021"/>
+        <p14:creationId xmlns:p14="http://schemas.microsoft.com/office/powerpoint/2010/main" xmlns="" val="3257169021"/>
       </p:ext>
     </p:extLst>
   </p:cSld>
@@ -18912,7 +18917,7 @@
     </p:spTree>
     <p:extLst>
       <p:ext uri="{BB962C8B-B14F-4D97-AF65-F5344CB8AC3E}">
-        <p14:creationId xmlns="" xmlns:p14="http://schemas.microsoft.com/office/powerpoint/2010/main" val="2032233561"/>
+        <p14:creationId xmlns:p14="http://schemas.microsoft.com/office/powerpoint/2010/main" xmlns="" val="2032233561"/>
       </p:ext>
     </p:extLst>
   </p:cSld>
@@ -18957,7 +18962,7 @@
             <a:fld id="{DE7D154F-5449-4A3B-AED1-54A32EF6402A}" type="datetimeFigureOut">
               <a:rPr lang="en-US" smtClean="0"/>
               <a:pPr/>
-              <a:t>9/25/2015</a:t>
+              <a:t>9/27/2015</a:t>
             </a:fld>
             <a:endParaRPr lang="en-US"/>
           </a:p>
@@ -19383,7 +19388,7 @@
     </p:spTree>
     <p:extLst>
       <p:ext uri="{BB962C8B-B14F-4D97-AF65-F5344CB8AC3E}">
-        <p14:creationId xmlns="" xmlns:p14="http://schemas.microsoft.com/office/powerpoint/2010/main" val="3339665248"/>
+        <p14:creationId xmlns:p14="http://schemas.microsoft.com/office/powerpoint/2010/main" xmlns="" val="3339665248"/>
       </p:ext>
     </p:extLst>
   </p:cSld>
@@ -19735,7 +19740,7 @@
     </p:spTree>
     <p:extLst>
       <p:ext uri="{BB962C8B-B14F-4D97-AF65-F5344CB8AC3E}">
-        <p14:creationId xmlns="" xmlns:p14="http://schemas.microsoft.com/office/powerpoint/2010/main" val="1164213639"/>
+        <p14:creationId xmlns:p14="http://schemas.microsoft.com/office/powerpoint/2010/main" xmlns="" val="1164213639"/>
       </p:ext>
     </p:extLst>
   </p:cSld>
@@ -20000,7 +20005,7 @@
     </p:spTree>
     <p:extLst>
       <p:ext uri="{BB962C8B-B14F-4D97-AF65-F5344CB8AC3E}">
-        <p14:creationId xmlns="" xmlns:p14="http://schemas.microsoft.com/office/powerpoint/2010/main" val="2111844705"/>
+        <p14:creationId xmlns:p14="http://schemas.microsoft.com/office/powerpoint/2010/main" xmlns="" val="2111844705"/>
       </p:ext>
     </p:extLst>
   </p:cSld>
@@ -20275,7 +20280,7 @@
     </p:spTree>
     <p:extLst>
       <p:ext uri="{BB962C8B-B14F-4D97-AF65-F5344CB8AC3E}">
-        <p14:creationId xmlns="" xmlns:p14="http://schemas.microsoft.com/office/powerpoint/2010/main" val="3227662732"/>
+        <p14:creationId xmlns:p14="http://schemas.microsoft.com/office/powerpoint/2010/main" xmlns="" val="3227662732"/>
       </p:ext>
     </p:extLst>
   </p:cSld>
@@ -20664,7 +20669,7 @@
     </p:spTree>
     <p:extLst>
       <p:ext uri="{BB962C8B-B14F-4D97-AF65-F5344CB8AC3E}">
-        <p14:creationId xmlns="" xmlns:p14="http://schemas.microsoft.com/office/powerpoint/2010/main" val="3830479497"/>
+        <p14:creationId xmlns:p14="http://schemas.microsoft.com/office/powerpoint/2010/main" xmlns="" val="3830479497"/>
       </p:ext>
     </p:extLst>
   </p:cSld>
@@ -20911,7 +20916,7 @@
     </p:spTree>
     <p:extLst>
       <p:ext uri="{BB962C8B-B14F-4D97-AF65-F5344CB8AC3E}">
-        <p14:creationId xmlns="" xmlns:p14="http://schemas.microsoft.com/office/powerpoint/2010/main" val="547279223"/>
+        <p14:creationId xmlns:p14="http://schemas.microsoft.com/office/powerpoint/2010/main" xmlns="" val="547279223"/>
       </p:ext>
     </p:extLst>
   </p:cSld>
@@ -21138,7 +21143,7 @@
             <a:fld id="{DE7D154F-5449-4A3B-AED1-54A32EF6402A}" type="datetimeFigureOut">
               <a:rPr lang="en-US" smtClean="0"/>
               <a:pPr/>
-              <a:t>9/25/2015</a:t>
+              <a:t>9/27/2015</a:t>
             </a:fld>
             <a:endParaRPr lang="en-US"/>
           </a:p>
@@ -21399,7 +21404,7 @@
             <a:fld id="{DE7D154F-5449-4A3B-AED1-54A32EF6402A}" type="datetimeFigureOut">
               <a:rPr lang="en-US" smtClean="0"/>
               <a:pPr/>
-              <a:t>9/25/2015</a:t>
+              <a:t>9/27/2015</a:t>
             </a:fld>
             <a:endParaRPr lang="en-US"/>
           </a:p>
@@ -21622,7 +21627,7 @@
             <a:fld id="{DE7D154F-5449-4A3B-AED1-54A32EF6402A}" type="datetimeFigureOut">
               <a:rPr lang="en-US" smtClean="0"/>
               <a:pPr/>
-              <a:t>9/25/2015</a:t>
+              <a:t>9/27/2015</a:t>
             </a:fld>
             <a:endParaRPr lang="en-US"/>
           </a:p>
@@ -21918,7 +21923,7 @@
           <a:blip r:embed="rId14" cstate="print">
             <a:extLst>
               <a:ext uri="{28A0092B-C50C-407E-A947-70E740481C1C}">
-                <a14:useLocalDpi xmlns="" xmlns:a14="http://schemas.microsoft.com/office/drawing/2010/main" val="0"/>
+                <a14:useLocalDpi xmlns:a14="http://schemas.microsoft.com/office/drawing/2010/main" xmlns="" val="0"/>
               </a:ext>
             </a:extLst>
           </a:blip>
@@ -22505,7 +22510,7 @@
           <a:blip r:embed="rId15" cstate="print">
             <a:extLst>
               <a:ext uri="{28A0092B-C50C-407E-A947-70E740481C1C}">
-                <a14:useLocalDpi xmlns="" xmlns:a14="http://schemas.microsoft.com/office/drawing/2010/main" val="0"/>
+                <a14:useLocalDpi xmlns:a14="http://schemas.microsoft.com/office/drawing/2010/main" xmlns="" val="0"/>
               </a:ext>
             </a:extLst>
           </a:blip>
@@ -22525,7 +22530,7 @@
     </p:spTree>
     <p:extLst>
       <p:ext uri="{BB962C8B-B14F-4D97-AF65-F5344CB8AC3E}">
-        <p14:creationId xmlns="" xmlns:p14="http://schemas.microsoft.com/office/powerpoint/2010/main" val="3089309280"/>
+        <p14:creationId xmlns:p14="http://schemas.microsoft.com/office/powerpoint/2010/main" xmlns="" val="3089309280"/>
       </p:ext>
     </p:extLst>
   </p:cSld>
@@ -23119,7 +23124,7 @@
             <a:fld id="{79EDB7E8-5BB3-49DC-8154-737FEEDA9919}" type="datetimeFigureOut">
               <a:rPr lang="en-US" smtClean="0"/>
               <a:pPr/>
-              <a:t>9/25/2015</a:t>
+              <a:t>9/27/2015</a:t>
             </a:fld>
             <a:endParaRPr lang="en-US"/>
           </a:p>
@@ -23415,7 +23420,7 @@
           <a:blip r:embed="rId14" cstate="print">
             <a:extLst>
               <a:ext uri="{28A0092B-C50C-407E-A947-70E740481C1C}">
-                <a14:useLocalDpi xmlns="" xmlns:a14="http://schemas.microsoft.com/office/drawing/2010/main" val="0"/>
+                <a14:useLocalDpi xmlns:a14="http://schemas.microsoft.com/office/drawing/2010/main" xmlns="" val="0"/>
               </a:ext>
             </a:extLst>
           </a:blip>
@@ -23668,7 +23673,7 @@
           <a:blip r:embed="rId14" cstate="print">
             <a:extLst>
               <a:ext uri="{28A0092B-C50C-407E-A947-70E740481C1C}">
-                <a14:useLocalDpi xmlns="" xmlns:a14="http://schemas.microsoft.com/office/drawing/2010/main" val="0"/>
+                <a14:useLocalDpi xmlns:a14="http://schemas.microsoft.com/office/drawing/2010/main" xmlns="" val="0"/>
               </a:ext>
             </a:extLst>
           </a:blip>
@@ -24255,7 +24260,7 @@
           <a:blip r:embed="rId15" cstate="print">
             <a:extLst>
               <a:ext uri="{28A0092B-C50C-407E-A947-70E740481C1C}">
-                <a14:useLocalDpi xmlns="" xmlns:a14="http://schemas.microsoft.com/office/drawing/2010/main" val="0"/>
+                <a14:useLocalDpi xmlns:a14="http://schemas.microsoft.com/office/drawing/2010/main" xmlns="" val="0"/>
               </a:ext>
             </a:extLst>
           </a:blip>
@@ -24275,7 +24280,7 @@
     </p:spTree>
     <p:extLst>
       <p:ext uri="{BB962C8B-B14F-4D97-AF65-F5344CB8AC3E}">
-        <p14:creationId xmlns="" xmlns:p14="http://schemas.microsoft.com/office/powerpoint/2010/main" val="3089309280"/>
+        <p14:creationId xmlns:p14="http://schemas.microsoft.com/office/powerpoint/2010/main" xmlns="" val="3089309280"/>
       </p:ext>
     </p:extLst>
   </p:cSld>
@@ -24869,7 +24874,7 @@
             <a:fld id="{79EDB7E8-5BB3-49DC-8154-737FEEDA9919}" type="datetimeFigureOut">
               <a:rPr lang="en-US" smtClean="0"/>
               <a:pPr/>
-              <a:t>9/25/2015</a:t>
+              <a:t>9/27/2015</a:t>
             </a:fld>
             <a:endParaRPr lang="en-US"/>
           </a:p>
@@ -25165,7 +25170,7 @@
           <a:blip r:embed="rId14" cstate="print">
             <a:extLst>
               <a:ext uri="{28A0092B-C50C-407E-A947-70E740481C1C}">
-                <a14:useLocalDpi xmlns="" xmlns:a14="http://schemas.microsoft.com/office/drawing/2010/main" val="0"/>
+                <a14:useLocalDpi xmlns:a14="http://schemas.microsoft.com/office/drawing/2010/main" xmlns="" val="0"/>
               </a:ext>
             </a:extLst>
           </a:blip>
@@ -25752,7 +25757,7 @@
           <a:blip r:embed="rId15" cstate="print">
             <a:extLst>
               <a:ext uri="{28A0092B-C50C-407E-A947-70E740481C1C}">
-                <a14:useLocalDpi xmlns="" xmlns:a14="http://schemas.microsoft.com/office/drawing/2010/main" val="0"/>
+                <a14:useLocalDpi xmlns:a14="http://schemas.microsoft.com/office/drawing/2010/main" xmlns="" val="0"/>
               </a:ext>
             </a:extLst>
           </a:blip>
@@ -25772,7 +25777,7 @@
     </p:spTree>
     <p:extLst>
       <p:ext uri="{BB962C8B-B14F-4D97-AF65-F5344CB8AC3E}">
-        <p14:creationId xmlns="" xmlns:p14="http://schemas.microsoft.com/office/powerpoint/2010/main" val="3089309280"/>
+        <p14:creationId xmlns:p14="http://schemas.microsoft.com/office/powerpoint/2010/main" xmlns="" val="3089309280"/>
       </p:ext>
     </p:extLst>
   </p:cSld>
@@ -26315,7 +26320,7 @@
           <a:p>
             <a:r>
               <a:rPr lang="en-US" dirty="0" smtClean="0"/>
-              <a:t>Technical Challenges</a:t>
+              <a:t>SLAM Sensors</a:t>
             </a:r>
             <a:endParaRPr lang="en-US" dirty="0"/>
           </a:p>
@@ -26323,33 +26328,130 @@
       </p:sp>
       <p:sp>
         <p:nvSpPr>
-          <p:cNvPr id="3" name="Content Placeholder 2"/>
+          <p:cNvPr id="8" name="Content Placeholder 7"/>
           <p:cNvSpPr>
             <a:spLocks noGrp="1"/>
           </p:cNvSpPr>
           <p:nvPr>
-            <p:ph idx="1"/>
+            <p:ph sz="half" idx="1"/>
           </p:nvPr>
         </p:nvSpPr>
         <p:spPr/>
         <p:txBody>
-          <a:bodyPr/>
+          <a:bodyPr>
+            <a:normAutofit fontScale="92500" lnSpcReduction="20000"/>
+          </a:bodyPr>
           <a:lstStyle/>
           <a:p>
             <a:r>
               <a:rPr lang="en-US" dirty="0" smtClean="0"/>
-              <a:t>Laundry </a:t>
-            </a:r>
+              <a:t>RGBD Camera</a:t>
+            </a:r>
+          </a:p>
+          <a:p>
+            <a:pPr lvl="1"/>
             <a:r>
               <a:rPr lang="en-US" dirty="0" smtClean="0"/>
-              <a:t>list</a:t>
+              <a:t>Red, green, blue, depth</a:t>
             </a:r>
           </a:p>
           <a:p>
             <a:r>
               <a:rPr lang="en-US" dirty="0" smtClean="0"/>
-              <a:t>@Steve: feel free to populate this section if you’re cool with it, idea was to just put up a laundry list of issues and speak to one or two </a:t>
-            </a:r>
+              <a:t>Depth map constructed from structured light projection</a:t>
+            </a:r>
+          </a:p>
+          <a:p>
+            <a:r>
+              <a:rPr lang="en-US" dirty="0" smtClean="0"/>
+              <a:t>Depth robust to lighting conditions</a:t>
+            </a:r>
+          </a:p>
+          <a:p>
+            <a:r>
+              <a:rPr lang="en-US" dirty="0" smtClean="0"/>
+              <a:t>Heavy</a:t>
+            </a:r>
+          </a:p>
+          <a:p>
+            <a:r>
+              <a:rPr lang="en-US" dirty="0" smtClean="0"/>
+              <a:t>Medium computational complexity</a:t>
+            </a:r>
+          </a:p>
+          <a:p>
+            <a:r>
+              <a:rPr lang="en-US" dirty="0" smtClean="0"/>
+              <a:t>Suffers from image blurring</a:t>
+            </a:r>
+          </a:p>
+        </p:txBody>
+      </p:sp>
+      <p:pic>
+        <p:nvPicPr>
+          <p:cNvPr id="6" name="Picture 6" descr="Product Image"/>
+          <p:cNvPicPr>
+            <a:picLocks noChangeAspect="1" noChangeArrowheads="1"/>
+          </p:cNvPicPr>
+          <p:nvPr/>
+        </p:nvPicPr>
+        <p:blipFill>
+          <a:blip r:embed="rId2" cstate="print"/>
+          <a:srcRect l="3200" t="30400" r="2400" b="31200"/>
+          <a:stretch>
+            <a:fillRect/>
+          </a:stretch>
+        </p:blipFill>
+        <p:spPr bwMode="auto">
+          <a:xfrm>
+            <a:off x="4648200" y="2819400"/>
+            <a:ext cx="4495800" cy="1828800"/>
+          </a:xfrm>
+          <a:prstGeom prst="rect">
+            <a:avLst/>
+          </a:prstGeom>
+          <a:noFill/>
+        </p:spPr>
+      </p:pic>
+      <p:sp>
+        <p:nvSpPr>
+          <p:cNvPr id="7" name="TextBox 6"/>
+          <p:cNvSpPr txBox="1"/>
+          <p:nvPr/>
+        </p:nvSpPr>
+        <p:spPr>
+          <a:xfrm>
+            <a:off x="0" y="6611779"/>
+            <a:ext cx="4191000" cy="246221"/>
+          </a:xfrm>
+          <a:prstGeom prst="rect">
+            <a:avLst/>
+          </a:prstGeom>
+          <a:noFill/>
+        </p:spPr>
+        <p:txBody>
+          <a:bodyPr wrap="square" rtlCol="0">
+            <a:spAutoFit/>
+          </a:bodyPr>
+          <a:lstStyle/>
+          <a:p>
+            <a:r>
+              <a:rPr lang="en-US" sz="1000" dirty="0" smtClean="0"/>
+              <a:t>ASUS </a:t>
+            </a:r>
+            <a:r>
+              <a:rPr lang="en-US" sz="1000" dirty="0" err="1" smtClean="0"/>
+              <a:t>Xtion</a:t>
+            </a:r>
+            <a:r>
+              <a:rPr lang="en-US" sz="1000" dirty="0" smtClean="0"/>
+              <a:t> Pro RGBD Camera image from</a:t>
+            </a:r>
+            <a:r>
+              <a:rPr lang="en-US" sz="1000" dirty="0" smtClean="0"/>
+              <a:t>: asus.com</a:t>
+            </a:r>
+            <a:endParaRPr lang="en-US" sz="1000" dirty="0"/>
           </a:p>
         </p:txBody>
       </p:sp>
@@ -26395,7 +26497,7 @@
           <a:p>
             <a:r>
               <a:rPr lang="en-US" dirty="0" smtClean="0"/>
-              <a:t>Questions?</a:t>
+              <a:t>SLAM Sensors</a:t>
             </a:r>
             <a:endParaRPr lang="en-US" dirty="0"/>
           </a:p>
@@ -26403,12 +26505,175 @@
       </p:sp>
       <p:sp>
         <p:nvSpPr>
-          <p:cNvPr id="3" name="Content Placeholder 2"/>
+          <p:cNvPr id="8" name="Content Placeholder 7"/>
           <p:cNvSpPr>
             <a:spLocks noGrp="1"/>
           </p:cNvSpPr>
           <p:nvPr>
-            <p:ph idx="1"/>
+            <p:ph sz="half" idx="1"/>
+          </p:nvPr>
+        </p:nvSpPr>
+        <p:spPr/>
+        <p:txBody>
+          <a:bodyPr>
+            <a:normAutofit fontScale="85000" lnSpcReduction="20000"/>
+          </a:bodyPr>
+          <a:lstStyle/>
+          <a:p>
+            <a:r>
+              <a:rPr lang="en-US" dirty="0" smtClean="0"/>
+              <a:t>DJI Guidance</a:t>
+            </a:r>
+          </a:p>
+          <a:p>
+            <a:pPr lvl="1"/>
+            <a:r>
+              <a:rPr lang="en-US" dirty="0" smtClean="0"/>
+              <a:t>Stereo vision with ultrasonic ranging</a:t>
+            </a:r>
+          </a:p>
+          <a:p>
+            <a:pPr lvl="1"/>
+            <a:r>
+              <a:rPr lang="en-US" dirty="0" smtClean="0"/>
+              <a:t>Five simultaneous modules </a:t>
+            </a:r>
+          </a:p>
+          <a:p>
+            <a:pPr lvl="1"/>
+            <a:r>
+              <a:rPr lang="en-US" dirty="0" smtClean="0"/>
+              <a:t>IMU fused</a:t>
+            </a:r>
+          </a:p>
+          <a:p>
+            <a:r>
+              <a:rPr lang="en-US" dirty="0" smtClean="0"/>
+              <a:t>FPGA accelerated to reduce computation costs</a:t>
+            </a:r>
+          </a:p>
+          <a:p>
+            <a:r>
+              <a:rPr lang="en-US" dirty="0" smtClean="0"/>
+              <a:t>Provides visual </a:t>
+            </a:r>
+            <a:r>
+              <a:rPr lang="en-US" dirty="0" err="1" smtClean="0"/>
+              <a:t>odometery</a:t>
+            </a:r>
+            <a:r>
+              <a:rPr lang="en-US" dirty="0" smtClean="0"/>
+              <a:t> and collision avoidance out of the box</a:t>
+            </a:r>
+          </a:p>
+          <a:p>
+            <a:r>
+              <a:rPr lang="en-US" dirty="0" smtClean="0"/>
+              <a:t>Sensitive to lighting conditions </a:t>
+            </a:r>
+            <a:endParaRPr lang="en-US" dirty="0" smtClean="0"/>
+          </a:p>
+          <a:p>
+            <a:r>
+              <a:rPr lang="en-US" dirty="0" smtClean="0"/>
+              <a:t>Expensive and heavy</a:t>
+            </a:r>
+          </a:p>
+        </p:txBody>
+      </p:sp>
+      <p:pic>
+        <p:nvPicPr>
+          <p:cNvPr id="7" name="Picture 8" descr="https://drccr6t3lim3k.cloudfront.net/images/guidance/guidance-8fe07ecc.png"/>
+          <p:cNvPicPr>
+            <a:picLocks noChangeAspect="1" noChangeArrowheads="1"/>
+          </p:cNvPicPr>
+          <p:nvPr/>
+        </p:nvPicPr>
+        <p:blipFill>
+          <a:blip r:embed="rId2" cstate="print"/>
+          <a:srcRect/>
+          <a:stretch>
+            <a:fillRect/>
+          </a:stretch>
+        </p:blipFill>
+        <p:spPr bwMode="auto">
+          <a:xfrm>
+            <a:off x="4495800" y="2590800"/>
+            <a:ext cx="4295775" cy="3067050"/>
+          </a:xfrm>
+          <a:prstGeom prst="rect">
+            <a:avLst/>
+          </a:prstGeom>
+          <a:noFill/>
+        </p:spPr>
+      </p:pic>
+      <p:sp>
+        <p:nvSpPr>
+          <p:cNvPr id="10" name="TextBox 9"/>
+          <p:cNvSpPr txBox="1"/>
+          <p:nvPr/>
+        </p:nvSpPr>
+        <p:spPr>
+          <a:xfrm>
+            <a:off x="0" y="6611779"/>
+            <a:ext cx="4191000" cy="246221"/>
+          </a:xfrm>
+          <a:prstGeom prst="rect">
+            <a:avLst/>
+          </a:prstGeom>
+          <a:noFill/>
+        </p:spPr>
+        <p:txBody>
+          <a:bodyPr wrap="square" rtlCol="0">
+            <a:spAutoFit/>
+          </a:bodyPr>
+          <a:lstStyle/>
+          <a:p>
+            <a:r>
+              <a:rPr lang="en-US" sz="1000" dirty="0" smtClean="0"/>
+              <a:t>DJI Guidance sensor image from</a:t>
+            </a:r>
+            <a:r>
+              <a:rPr lang="en-US" sz="1000" dirty="0" smtClean="0"/>
+              <a:t>: developer.dji.com</a:t>
+            </a:r>
+            <a:endParaRPr lang="en-US" sz="1000" dirty="0"/>
+          </a:p>
+        </p:txBody>
+      </p:sp>
+    </p:spTree>
+  </p:cSld>
+  <p:clrMapOvr>
+    <a:masterClrMapping/>
+  </p:clrMapOvr>
+</p:sld>
+</file>
+
+<file path=ppt/slides/slide12.xml><?xml version="1.0" encoding="utf-8"?>
+<p:sld xmlns:a="http://schemas.openxmlformats.org/drawingml/2006/main" xmlns:r="http://schemas.openxmlformats.org/officeDocument/2006/relationships" xmlns:p="http://schemas.openxmlformats.org/presentationml/2006/main">
+  <p:cSld>
+    <p:spTree>
+      <p:nvGrpSpPr>
+        <p:cNvPr id="1" name=""/>
+        <p:cNvGrpSpPr/>
+        <p:nvPr/>
+      </p:nvGrpSpPr>
+      <p:grpSpPr>
+        <a:xfrm>
+          <a:off x="0" y="0"/>
+          <a:ext cx="0" cy="0"/>
+          <a:chOff x="0" y="0"/>
+          <a:chExt cx="0" cy="0"/>
+        </a:xfrm>
+      </p:grpSpPr>
+      <p:sp>
+        <p:nvSpPr>
+          <p:cNvPr id="2" name="Title 1"/>
+          <p:cNvSpPr>
+            <a:spLocks noGrp="1"/>
+          </p:cNvSpPr>
+          <p:nvPr>
+            <p:ph type="title"/>
           </p:nvPr>
         </p:nvSpPr>
         <p:spPr/>
@@ -26418,7 +26683,497 @@
           <a:p>
             <a:r>
               <a:rPr lang="en-US" dirty="0" smtClean="0"/>
-              <a:t>@Steve: We can run the demo at this point. </a:t>
+              <a:t>Technical Challenges</a:t>
+            </a:r>
+            <a:endParaRPr lang="en-US" dirty="0"/>
+          </a:p>
+        </p:txBody>
+      </p:sp>
+      <p:sp>
+        <p:nvSpPr>
+          <p:cNvPr id="3" name="Content Placeholder 2"/>
+          <p:cNvSpPr>
+            <a:spLocks noGrp="1"/>
+          </p:cNvSpPr>
+          <p:nvPr>
+            <p:ph idx="1"/>
+          </p:nvPr>
+        </p:nvSpPr>
+        <p:spPr/>
+        <p:txBody>
+          <a:bodyPr>
+            <a:normAutofit fontScale="77500" lnSpcReduction="20000"/>
+          </a:bodyPr>
+          <a:lstStyle/>
+          <a:p>
+            <a:r>
+              <a:rPr lang="en-US" dirty="0" smtClean="0"/>
+              <a:t>Robust indoor flight </a:t>
+            </a:r>
+          </a:p>
+          <a:p>
+            <a:r>
+              <a:rPr lang="en-US" dirty="0" smtClean="0"/>
+              <a:t>GPS denied navigation </a:t>
+            </a:r>
+          </a:p>
+          <a:p>
+            <a:r>
+              <a:rPr lang="en-US" dirty="0" smtClean="0"/>
+              <a:t>Embedded processing of SLAM algorithms </a:t>
+            </a:r>
+          </a:p>
+          <a:p>
+            <a:r>
+              <a:rPr lang="en-US" dirty="0" smtClean="0"/>
+              <a:t>Robust planning for efficient search</a:t>
+            </a:r>
+          </a:p>
+          <a:p>
+            <a:r>
+              <a:rPr lang="en-US" dirty="0" smtClean="0"/>
+              <a:t>Planning with known prior map</a:t>
+            </a:r>
+          </a:p>
+          <a:p>
+            <a:r>
+              <a:rPr lang="en-US" dirty="0" smtClean="0"/>
+              <a:t>Planning for obstacle avoidance in 3-D</a:t>
+            </a:r>
+          </a:p>
+          <a:p>
+            <a:r>
+              <a:rPr lang="en-US" dirty="0" smtClean="0"/>
+              <a:t>Multi-platform search </a:t>
+            </a:r>
+          </a:p>
+          <a:p>
+            <a:r>
+              <a:rPr lang="en-US" dirty="0" smtClean="0"/>
+              <a:t>Multi-platform information fusion</a:t>
+            </a:r>
+          </a:p>
+          <a:p>
+            <a:r>
+              <a:rPr lang="en-US" dirty="0" smtClean="0"/>
+              <a:t>Robust target identification</a:t>
+            </a:r>
+            <a:r>
+              <a:rPr lang="en-US" dirty="0" smtClean="0">
+                <a:sym typeface="Wingdings" pitchFamily="2" charset="2"/>
+              </a:rPr>
+              <a:t> </a:t>
+            </a:r>
+            <a:endParaRPr lang="en-US" dirty="0" smtClean="0">
+              <a:sym typeface="Wingdings" pitchFamily="2" charset="2"/>
+            </a:endParaRPr>
+          </a:p>
+          <a:p>
+            <a:r>
+              <a:rPr lang="en-US" dirty="0" smtClean="0">
+                <a:sym typeface="Wingdings" pitchFamily="2" charset="2"/>
+              </a:rPr>
+              <a:t>Target discrimination</a:t>
+            </a:r>
+            <a:endParaRPr lang="en-US" dirty="0" smtClean="0"/>
+          </a:p>
+          <a:p>
+            <a:r>
+              <a:rPr lang="en-US" dirty="0" smtClean="0"/>
+              <a:t>SLAM with moving targets</a:t>
+            </a:r>
+          </a:p>
+        </p:txBody>
+      </p:sp>
+    </p:spTree>
+  </p:cSld>
+  <p:clrMapOvr>
+    <a:masterClrMapping/>
+  </p:clrMapOvr>
+</p:sld>
+</file>
+
+<file path=ppt/slides/slide13.xml><?xml version="1.0" encoding="utf-8"?>
+<p:sld xmlns:a="http://schemas.openxmlformats.org/drawingml/2006/main" xmlns:r="http://schemas.openxmlformats.org/officeDocument/2006/relationships" xmlns:p="http://schemas.openxmlformats.org/presentationml/2006/main">
+  <p:cSld>
+    <p:spTree>
+      <p:nvGrpSpPr>
+        <p:cNvPr id="1" name=""/>
+        <p:cNvGrpSpPr/>
+        <p:nvPr/>
+      </p:nvGrpSpPr>
+      <p:grpSpPr>
+        <a:xfrm>
+          <a:off x="0" y="0"/>
+          <a:ext cx="0" cy="0"/>
+          <a:chOff x="0" y="0"/>
+          <a:chExt cx="0" cy="0"/>
+        </a:xfrm>
+      </p:grpSpPr>
+      <p:sp>
+        <p:nvSpPr>
+          <p:cNvPr id="2" name="Title 1"/>
+          <p:cNvSpPr>
+            <a:spLocks noGrp="1"/>
+          </p:cNvSpPr>
+          <p:nvPr>
+            <p:ph type="title"/>
+          </p:nvPr>
+        </p:nvSpPr>
+        <p:spPr/>
+        <p:txBody>
+          <a:bodyPr/>
+          <a:lstStyle/>
+          <a:p>
+            <a:r>
+              <a:rPr lang="en-US" dirty="0" smtClean="0"/>
+              <a:t>Technical Challenges</a:t>
+            </a:r>
+            <a:endParaRPr lang="en-US" dirty="0"/>
+          </a:p>
+        </p:txBody>
+      </p:sp>
+      <p:sp>
+        <p:nvSpPr>
+          <p:cNvPr id="3" name="Content Placeholder 2"/>
+          <p:cNvSpPr>
+            <a:spLocks noGrp="1"/>
+          </p:cNvSpPr>
+          <p:nvPr>
+            <p:ph idx="1"/>
+          </p:nvPr>
+        </p:nvSpPr>
+        <p:spPr/>
+        <p:txBody>
+          <a:bodyPr>
+            <a:normAutofit fontScale="77500" lnSpcReduction="20000"/>
+          </a:bodyPr>
+          <a:lstStyle/>
+          <a:p>
+            <a:r>
+              <a:rPr lang="en-US" dirty="0" smtClean="0"/>
+              <a:t>Robust indoor flight </a:t>
+            </a:r>
+            <a:r>
+              <a:rPr lang="en-US" dirty="0" smtClean="0">
+                <a:sym typeface="Wingdings" pitchFamily="2" charset="2"/>
+              </a:rPr>
+              <a:t></a:t>
+            </a:r>
+            <a:endParaRPr lang="en-US" dirty="0" smtClean="0"/>
+          </a:p>
+          <a:p>
+            <a:r>
+              <a:rPr lang="en-US" dirty="0" smtClean="0"/>
+              <a:t>GPS denied navigation </a:t>
+            </a:r>
+            <a:r>
+              <a:rPr lang="en-US" dirty="0" smtClean="0">
+                <a:sym typeface="Wingdings" pitchFamily="2" charset="2"/>
+              </a:rPr>
+              <a:t></a:t>
+            </a:r>
+            <a:endParaRPr lang="en-US" dirty="0" smtClean="0"/>
+          </a:p>
+          <a:p>
+            <a:r>
+              <a:rPr lang="en-US" dirty="0" smtClean="0"/>
+              <a:t>Embedded processing of SLAM algorithms </a:t>
+            </a:r>
+            <a:r>
+              <a:rPr lang="en-US" dirty="0" smtClean="0">
+                <a:sym typeface="Wingdings" pitchFamily="2" charset="2"/>
+              </a:rPr>
+              <a:t></a:t>
+            </a:r>
+            <a:endParaRPr lang="en-US" dirty="0" smtClean="0"/>
+          </a:p>
+          <a:p>
+            <a:r>
+              <a:rPr lang="en-US" dirty="0" smtClean="0"/>
+              <a:t>Robust planning for efficient search</a:t>
+            </a:r>
+          </a:p>
+          <a:p>
+            <a:r>
+              <a:rPr lang="en-US" dirty="0" smtClean="0"/>
+              <a:t>Planning with known prior map</a:t>
+            </a:r>
+          </a:p>
+          <a:p>
+            <a:r>
+              <a:rPr lang="en-US" dirty="0" smtClean="0"/>
+              <a:t>Planning for obstacle avoidance in 3-D</a:t>
+            </a:r>
+          </a:p>
+          <a:p>
+            <a:r>
+              <a:rPr lang="en-US" dirty="0" smtClean="0"/>
+              <a:t>Multi-platform search </a:t>
+            </a:r>
+          </a:p>
+          <a:p>
+            <a:r>
+              <a:rPr lang="en-US" dirty="0" smtClean="0"/>
+              <a:t>Multi-platform information fusion</a:t>
+            </a:r>
+          </a:p>
+          <a:p>
+            <a:r>
+              <a:rPr lang="en-US" dirty="0" smtClean="0"/>
+              <a:t>Robust target identification</a:t>
+            </a:r>
+            <a:r>
+              <a:rPr lang="en-US" dirty="0" smtClean="0">
+                <a:sym typeface="Wingdings" pitchFamily="2" charset="2"/>
+              </a:rPr>
+              <a:t> </a:t>
+            </a:r>
+            <a:r>
+              <a:rPr lang="en-US" dirty="0" smtClean="0">
+                <a:sym typeface="Wingdings" pitchFamily="2" charset="2"/>
+              </a:rPr>
+              <a:t></a:t>
+            </a:r>
+          </a:p>
+          <a:p>
+            <a:r>
+              <a:rPr lang="en-US" dirty="0" smtClean="0">
+                <a:sym typeface="Wingdings" pitchFamily="2" charset="2"/>
+              </a:rPr>
+              <a:t>Target discrimination</a:t>
+            </a:r>
+            <a:endParaRPr lang="en-US" dirty="0" smtClean="0"/>
+          </a:p>
+          <a:p>
+            <a:r>
+              <a:rPr lang="en-US" dirty="0" smtClean="0"/>
+              <a:t>SLAM with moving targets</a:t>
+            </a:r>
+          </a:p>
+        </p:txBody>
+      </p:sp>
+    </p:spTree>
+  </p:cSld>
+  <p:clrMapOvr>
+    <a:masterClrMapping/>
+  </p:clrMapOvr>
+</p:sld>
+</file>
+
+<file path=ppt/slides/slide14.xml><?xml version="1.0" encoding="utf-8"?>
+<p:sld xmlns:a="http://schemas.openxmlformats.org/drawingml/2006/main" xmlns:r="http://schemas.openxmlformats.org/officeDocument/2006/relationships" xmlns:p="http://schemas.openxmlformats.org/presentationml/2006/main">
+  <p:cSld>
+    <p:spTree>
+      <p:nvGrpSpPr>
+        <p:cNvPr id="1" name=""/>
+        <p:cNvGrpSpPr/>
+        <p:nvPr/>
+      </p:nvGrpSpPr>
+      <p:grpSpPr>
+        <a:xfrm>
+          <a:off x="0" y="0"/>
+          <a:ext cx="0" cy="0"/>
+          <a:chOff x="0" y="0"/>
+          <a:chExt cx="0" cy="0"/>
+        </a:xfrm>
+      </p:grpSpPr>
+      <p:sp>
+        <p:nvSpPr>
+          <p:cNvPr id="2" name="Title 1"/>
+          <p:cNvSpPr>
+            <a:spLocks noGrp="1"/>
+          </p:cNvSpPr>
+          <p:nvPr>
+            <p:ph type="title"/>
+          </p:nvPr>
+        </p:nvSpPr>
+        <p:spPr/>
+        <p:txBody>
+          <a:bodyPr/>
+          <a:lstStyle/>
+          <a:p>
+            <a:r>
+              <a:rPr lang="en-US" dirty="0" smtClean="0"/>
+              <a:t>Questions?</a:t>
+            </a:r>
+            <a:endParaRPr lang="en-US" dirty="0"/>
+          </a:p>
+        </p:txBody>
+      </p:sp>
+      <p:pic>
+        <p:nvPicPr>
+          <p:cNvPr id="4" name="Content Placeholder 3" descr="fleming01.png"/>
+          <p:cNvPicPr>
+            <a:picLocks noGrp="1" noChangeAspect="1"/>
+          </p:cNvPicPr>
+          <p:nvPr>
+            <p:ph idx="1"/>
+          </p:nvPr>
+        </p:nvPicPr>
+        <p:blipFill>
+          <a:blip r:embed="rId2" cstate="print"/>
+          <a:stretch>
+            <a:fillRect/>
+          </a:stretch>
+        </p:blipFill>
+        <p:spPr>
+          <a:xfrm>
+            <a:off x="457200" y="2034716"/>
+            <a:ext cx="8229600" cy="3656931"/>
+          </a:xfrm>
+        </p:spPr>
+      </p:pic>
+    </p:spTree>
+  </p:cSld>
+  <p:clrMapOvr>
+    <a:masterClrMapping/>
+  </p:clrMapOvr>
+</p:sld>
+</file>
+
+<file path=ppt/slides/slide15.xml><?xml version="1.0" encoding="utf-8"?>
+<p:sld xmlns:a="http://schemas.openxmlformats.org/drawingml/2006/main" xmlns:r="http://schemas.openxmlformats.org/officeDocument/2006/relationships" xmlns:p="http://schemas.openxmlformats.org/presentationml/2006/main">
+  <p:cSld>
+    <p:spTree>
+      <p:nvGrpSpPr>
+        <p:cNvPr id="1" name=""/>
+        <p:cNvGrpSpPr/>
+        <p:nvPr/>
+      </p:nvGrpSpPr>
+      <p:grpSpPr>
+        <a:xfrm>
+          <a:off x="0" y="0"/>
+          <a:ext cx="0" cy="0"/>
+          <a:chOff x="0" y="0"/>
+          <a:chExt cx="0" cy="0"/>
+        </a:xfrm>
+      </p:grpSpPr>
+      <p:sp>
+        <p:nvSpPr>
+          <p:cNvPr id="2" name="Title 1"/>
+          <p:cNvSpPr>
+            <a:spLocks noGrp="1"/>
+          </p:cNvSpPr>
+          <p:nvPr>
+            <p:ph type="title"/>
+          </p:nvPr>
+        </p:nvSpPr>
+        <p:spPr/>
+        <p:txBody>
+          <a:bodyPr/>
+          <a:lstStyle/>
+          <a:p>
+            <a:r>
+              <a:rPr lang="en-US" dirty="0" smtClean="0"/>
+              <a:t>Backups</a:t>
+            </a:r>
+            <a:endParaRPr lang="en-US" dirty="0"/>
+          </a:p>
+        </p:txBody>
+      </p:sp>
+      <p:sp>
+        <p:nvSpPr>
+          <p:cNvPr id="3" name="Content Placeholder 2"/>
+          <p:cNvSpPr>
+            <a:spLocks noGrp="1"/>
+          </p:cNvSpPr>
+          <p:nvPr>
+            <p:ph idx="1"/>
+          </p:nvPr>
+        </p:nvSpPr>
+        <p:spPr/>
+        <p:txBody>
+          <a:bodyPr/>
+          <a:lstStyle/>
+          <a:p>
+            <a:endParaRPr lang="en-US"/>
+          </a:p>
+        </p:txBody>
+      </p:sp>
+    </p:spTree>
+  </p:cSld>
+  <p:clrMapOvr>
+    <a:masterClrMapping/>
+  </p:clrMapOvr>
+</p:sld>
+</file>
+
+<file path=ppt/slides/slide16.xml><?xml version="1.0" encoding="utf-8"?>
+<p:sld xmlns:a="http://schemas.openxmlformats.org/drawingml/2006/main" xmlns:r="http://schemas.openxmlformats.org/officeDocument/2006/relationships" xmlns:p="http://schemas.openxmlformats.org/presentationml/2006/main">
+  <p:cSld>
+    <p:spTree>
+      <p:nvGrpSpPr>
+        <p:cNvPr id="1" name=""/>
+        <p:cNvGrpSpPr/>
+        <p:nvPr/>
+      </p:nvGrpSpPr>
+      <p:grpSpPr>
+        <a:xfrm>
+          <a:off x="0" y="0"/>
+          <a:ext cx="0" cy="0"/>
+          <a:chOff x="0" y="0"/>
+          <a:chExt cx="0" cy="0"/>
+        </a:xfrm>
+      </p:grpSpPr>
+      <p:sp>
+        <p:nvSpPr>
+          <p:cNvPr id="4" name="Title 3"/>
+          <p:cNvSpPr>
+            <a:spLocks noGrp="1"/>
+          </p:cNvSpPr>
+          <p:nvPr>
+            <p:ph type="ctrTitle"/>
+          </p:nvPr>
+        </p:nvSpPr>
+        <p:spPr/>
+        <p:txBody>
+          <a:bodyPr/>
+          <a:lstStyle/>
+          <a:p>
+            <a:r>
+              <a:rPr lang="en-US" dirty="0" err="1" smtClean="0"/>
+              <a:t>FlyNet</a:t>
+            </a:r>
+            <a:r>
+              <a:rPr lang="en-US" dirty="0" smtClean="0"/>
+              <a:t> Overview</a:t>
+            </a:r>
+            <a:br>
+              <a:rPr lang="en-US" dirty="0" smtClean="0"/>
+            </a:br>
+            <a:r>
+              <a:rPr lang="en-US" sz="1800" dirty="0" smtClean="0"/>
+              <a:t>or: How I Learned to Stop Worrying and Love the Drones </a:t>
+            </a:r>
+            <a:endParaRPr lang="en-US" sz="1800" dirty="0"/>
+          </a:p>
+        </p:txBody>
+      </p:sp>
+      <p:sp>
+        <p:nvSpPr>
+          <p:cNvPr id="5" name="Subtitle 4"/>
+          <p:cNvSpPr>
+            <a:spLocks noGrp="1"/>
+          </p:cNvSpPr>
+          <p:nvPr>
+            <p:ph type="subTitle" idx="1"/>
+          </p:nvPr>
+        </p:nvSpPr>
+        <p:spPr/>
+        <p:txBody>
+          <a:bodyPr/>
+          <a:lstStyle/>
+          <a:p>
+            <a:r>
+              <a:rPr lang="en-US" dirty="0" smtClean="0"/>
+              <a:t>Austin Anderson</a:t>
+            </a:r>
+          </a:p>
+          <a:p>
+            <a:r>
+              <a:rPr lang="en-US" dirty="0" smtClean="0"/>
+              <a:t>Steve McGuire</a:t>
             </a:r>
             <a:endParaRPr lang="en-US" dirty="0"/>
           </a:p>
@@ -26451,12 +27206,12 @@
       </p:grpSpPr>
       <p:sp>
         <p:nvSpPr>
-          <p:cNvPr id="4" name="Title 3"/>
+          <p:cNvPr id="2" name="Title 1"/>
           <p:cNvSpPr>
             <a:spLocks noGrp="1"/>
           </p:cNvSpPr>
           <p:nvPr>
-            <p:ph type="ctrTitle"/>
+            <p:ph type="title"/>
           </p:nvPr>
         </p:nvSpPr>
         <p:spPr/>
@@ -26465,50 +27220,654 @@
           <a:lstStyle/>
           <a:p>
             <a:r>
-              <a:rPr lang="en-US" dirty="0" err="1" smtClean="0"/>
-              <a:t>FlyNet</a:t>
-            </a:r>
-            <a:r>
               <a:rPr lang="en-US" dirty="0" smtClean="0"/>
-              <a:t> Overview</a:t>
-            </a:r>
-            <a:br>
-              <a:rPr lang="en-US" dirty="0" smtClean="0"/>
-            </a:br>
-            <a:r>
-              <a:rPr lang="en-US" sz="1800" dirty="0" smtClean="0"/>
-              <a:t>or: How I Learned to Stop Worrying and Love the Drones </a:t>
-            </a:r>
-            <a:endParaRPr lang="en-US" sz="1800" dirty="0"/>
-          </a:p>
-        </p:txBody>
-      </p:sp>
-      <p:sp>
-        <p:nvSpPr>
-          <p:cNvPr id="5" name="Subtitle 4"/>
-          <p:cNvSpPr>
-            <a:spLocks noGrp="1"/>
-          </p:cNvSpPr>
-          <p:nvPr>
-            <p:ph type="subTitle" idx="1"/>
-          </p:nvPr>
-        </p:nvSpPr>
-        <p:spPr/>
-        <p:txBody>
-          <a:bodyPr/>
+              <a:t>Project Requirements</a:t>
+            </a:r>
+            <a:endParaRPr lang="en-US" dirty="0"/>
+          </a:p>
+        </p:txBody>
+      </p:sp>
+      <p:sp>
+        <p:nvSpPr>
+          <p:cNvPr id="5" name="Rectangle 4"/>
+          <p:cNvSpPr/>
+          <p:nvPr/>
+        </p:nvSpPr>
+        <p:spPr>
+          <a:xfrm>
+            <a:off x="1143000" y="2286000"/>
+            <a:ext cx="3124200" cy="3124200"/>
+          </a:xfrm>
+          <a:prstGeom prst="rect">
+            <a:avLst/>
+          </a:prstGeom>
+          <a:noFill/>
+          <a:ln w="50800">
+            <a:solidFill>
+              <a:schemeClr val="tx1"/>
+            </a:solidFill>
+          </a:ln>
+        </p:spPr>
+        <p:style>
+          <a:lnRef idx="2">
+            <a:schemeClr val="accent1">
+              <a:shade val="50000"/>
+            </a:schemeClr>
+          </a:lnRef>
+          <a:fillRef idx="1">
+            <a:schemeClr val="accent1"/>
+          </a:fillRef>
+          <a:effectRef idx="0">
+            <a:schemeClr val="accent1"/>
+          </a:effectRef>
+          <a:fontRef idx="minor">
+            <a:schemeClr val="lt1"/>
+          </a:fontRef>
+        </p:style>
+        <p:txBody>
+          <a:bodyPr rtlCol="0" anchor="ctr"/>
           <a:lstStyle/>
           <a:p>
-            <a:r>
-              <a:rPr lang="en-US" dirty="0" smtClean="0"/>
-              <a:t>Austin Anderson</a:t>
-            </a:r>
-          </a:p>
-          <a:p>
-            <a:r>
-              <a:rPr lang="en-US" dirty="0" smtClean="0"/>
-              <a:t>Steve McGuire</a:t>
-            </a:r>
-            <a:endParaRPr lang="en-US" dirty="0"/>
+            <a:pPr algn="ctr"/>
+            <a:endParaRPr lang="en-US"/>
+          </a:p>
+        </p:txBody>
+      </p:sp>
+      <p:sp>
+        <p:nvSpPr>
+          <p:cNvPr id="6" name="Rectangle 5"/>
+          <p:cNvSpPr/>
+          <p:nvPr/>
+        </p:nvSpPr>
+        <p:spPr>
+          <a:xfrm>
+            <a:off x="1143000" y="4495800"/>
+            <a:ext cx="1524000" cy="914400"/>
+          </a:xfrm>
+          <a:prstGeom prst="rect">
+            <a:avLst/>
+          </a:prstGeom>
+          <a:noFill/>
+          <a:ln w="50800">
+            <a:solidFill>
+              <a:schemeClr val="tx1"/>
+            </a:solidFill>
+          </a:ln>
+        </p:spPr>
+        <p:style>
+          <a:lnRef idx="2">
+            <a:schemeClr val="accent1">
+              <a:shade val="50000"/>
+            </a:schemeClr>
+          </a:lnRef>
+          <a:fillRef idx="1">
+            <a:schemeClr val="accent1"/>
+          </a:fillRef>
+          <a:effectRef idx="0">
+            <a:schemeClr val="accent1"/>
+          </a:effectRef>
+          <a:fontRef idx="minor">
+            <a:schemeClr val="lt1"/>
+          </a:fontRef>
+        </p:style>
+        <p:txBody>
+          <a:bodyPr rtlCol="0" anchor="ctr"/>
+          <a:lstStyle/>
+          <a:p>
+            <a:pPr algn="ctr"/>
+            <a:endParaRPr lang="en-US"/>
+          </a:p>
+        </p:txBody>
+      </p:sp>
+      <p:sp>
+        <p:nvSpPr>
+          <p:cNvPr id="7" name="Rectangle 6"/>
+          <p:cNvSpPr/>
+          <p:nvPr/>
+        </p:nvSpPr>
+        <p:spPr>
+          <a:xfrm>
+            <a:off x="1143000" y="2286000"/>
+            <a:ext cx="1828800" cy="1752600"/>
+          </a:xfrm>
+          <a:prstGeom prst="rect">
+            <a:avLst/>
+          </a:prstGeom>
+          <a:noFill/>
+          <a:ln w="50800">
+            <a:solidFill>
+              <a:schemeClr val="tx1"/>
+            </a:solidFill>
+          </a:ln>
+        </p:spPr>
+        <p:style>
+          <a:lnRef idx="2">
+            <a:schemeClr val="accent1">
+              <a:shade val="50000"/>
+            </a:schemeClr>
+          </a:lnRef>
+          <a:fillRef idx="1">
+            <a:schemeClr val="accent1"/>
+          </a:fillRef>
+          <a:effectRef idx="0">
+            <a:schemeClr val="accent1"/>
+          </a:effectRef>
+          <a:fontRef idx="minor">
+            <a:schemeClr val="lt1"/>
+          </a:fontRef>
+        </p:style>
+        <p:txBody>
+          <a:bodyPr rtlCol="0" anchor="ctr"/>
+          <a:lstStyle/>
+          <a:p>
+            <a:pPr algn="ctr"/>
+            <a:endParaRPr lang="en-US"/>
+          </a:p>
+        </p:txBody>
+      </p:sp>
+      <p:sp>
+        <p:nvSpPr>
+          <p:cNvPr id="10" name="Rectangle 9"/>
+          <p:cNvSpPr/>
+          <p:nvPr/>
+        </p:nvSpPr>
+        <p:spPr>
+          <a:xfrm>
+            <a:off x="2667000" y="4495800"/>
+            <a:ext cx="1600200" cy="914400"/>
+          </a:xfrm>
+          <a:prstGeom prst="rect">
+            <a:avLst/>
+          </a:prstGeom>
+          <a:noFill/>
+          <a:ln w="50800">
+            <a:solidFill>
+              <a:schemeClr val="tx1"/>
+            </a:solidFill>
+          </a:ln>
+        </p:spPr>
+        <p:style>
+          <a:lnRef idx="2">
+            <a:schemeClr val="accent1">
+              <a:shade val="50000"/>
+            </a:schemeClr>
+          </a:lnRef>
+          <a:fillRef idx="1">
+            <a:schemeClr val="accent1"/>
+          </a:fillRef>
+          <a:effectRef idx="0">
+            <a:schemeClr val="accent1"/>
+          </a:effectRef>
+          <a:fontRef idx="minor">
+            <a:schemeClr val="lt1"/>
+          </a:fontRef>
+        </p:style>
+        <p:txBody>
+          <a:bodyPr rtlCol="0" anchor="ctr"/>
+          <a:lstStyle/>
+          <a:p>
+            <a:pPr algn="ctr"/>
+            <a:endParaRPr lang="en-US"/>
+          </a:p>
+        </p:txBody>
+      </p:sp>
+      <p:cxnSp>
+        <p:nvCxnSpPr>
+          <p:cNvPr id="34" name="Straight Connector 33"/>
+          <p:cNvCxnSpPr/>
+          <p:nvPr/>
+        </p:nvCxnSpPr>
+        <p:spPr>
+          <a:xfrm flipV="1">
+            <a:off x="4267200" y="3733800"/>
+            <a:ext cx="0" cy="457200"/>
+          </a:xfrm>
+          <a:prstGeom prst="line">
+            <a:avLst/>
+          </a:prstGeom>
+          <a:ln w="50800">
+            <a:solidFill>
+              <a:schemeClr val="bg1"/>
+            </a:solidFill>
+          </a:ln>
+        </p:spPr>
+        <p:style>
+          <a:lnRef idx="1">
+            <a:schemeClr val="accent1"/>
+          </a:lnRef>
+          <a:fillRef idx="0">
+            <a:schemeClr val="accent1"/>
+          </a:fillRef>
+          <a:effectRef idx="0">
+            <a:schemeClr val="accent1"/>
+          </a:effectRef>
+          <a:fontRef idx="minor">
+            <a:schemeClr val="tx1"/>
+          </a:fontRef>
+        </p:style>
+      </p:cxnSp>
+      <p:sp>
+        <p:nvSpPr>
+          <p:cNvPr id="38" name="Rectangle 37"/>
+          <p:cNvSpPr/>
+          <p:nvPr/>
+        </p:nvSpPr>
+        <p:spPr>
+          <a:xfrm>
+            <a:off x="3429000" y="2286000"/>
+            <a:ext cx="838200" cy="1219200"/>
+          </a:xfrm>
+          <a:prstGeom prst="rect">
+            <a:avLst/>
+          </a:prstGeom>
+          <a:noFill/>
+          <a:ln w="50800">
+            <a:solidFill>
+              <a:schemeClr val="tx1"/>
+            </a:solidFill>
+          </a:ln>
+        </p:spPr>
+        <p:style>
+          <a:lnRef idx="2">
+            <a:schemeClr val="accent1">
+              <a:shade val="50000"/>
+            </a:schemeClr>
+          </a:lnRef>
+          <a:fillRef idx="1">
+            <a:schemeClr val="accent1"/>
+          </a:fillRef>
+          <a:effectRef idx="0">
+            <a:schemeClr val="accent1"/>
+          </a:effectRef>
+          <a:fontRef idx="minor">
+            <a:schemeClr val="lt1"/>
+          </a:fontRef>
+        </p:style>
+        <p:txBody>
+          <a:bodyPr rtlCol="0" anchor="ctr"/>
+          <a:lstStyle/>
+          <a:p>
+            <a:pPr algn="ctr"/>
+            <a:endParaRPr lang="en-US"/>
+          </a:p>
+        </p:txBody>
+      </p:sp>
+      <p:cxnSp>
+        <p:nvCxnSpPr>
+          <p:cNvPr id="40" name="Straight Connector 39"/>
+          <p:cNvCxnSpPr/>
+          <p:nvPr/>
+        </p:nvCxnSpPr>
+        <p:spPr>
+          <a:xfrm flipV="1">
+            <a:off x="3429000" y="2667000"/>
+            <a:ext cx="0" cy="381000"/>
+          </a:xfrm>
+          <a:prstGeom prst="line">
+            <a:avLst/>
+          </a:prstGeom>
+          <a:ln w="50800">
+            <a:solidFill>
+              <a:schemeClr val="bg1"/>
+            </a:solidFill>
+          </a:ln>
+        </p:spPr>
+        <p:style>
+          <a:lnRef idx="1">
+            <a:schemeClr val="accent1"/>
+          </a:lnRef>
+          <a:fillRef idx="0">
+            <a:schemeClr val="accent1"/>
+          </a:fillRef>
+          <a:effectRef idx="0">
+            <a:schemeClr val="accent1"/>
+          </a:effectRef>
+          <a:fontRef idx="minor">
+            <a:schemeClr val="tx1"/>
+          </a:fontRef>
+        </p:style>
+      </p:cxnSp>
+      <p:sp>
+        <p:nvSpPr>
+          <p:cNvPr id="41" name="Rectangle 40"/>
+          <p:cNvSpPr/>
+          <p:nvPr/>
+        </p:nvSpPr>
+        <p:spPr>
+          <a:xfrm>
+            <a:off x="1143000" y="2286000"/>
+            <a:ext cx="1828800" cy="914400"/>
+          </a:xfrm>
+          <a:prstGeom prst="rect">
+            <a:avLst/>
+          </a:prstGeom>
+          <a:noFill/>
+          <a:ln w="50800">
+            <a:solidFill>
+              <a:schemeClr val="tx1"/>
+            </a:solidFill>
+          </a:ln>
+        </p:spPr>
+        <p:style>
+          <a:lnRef idx="2">
+            <a:schemeClr val="accent1">
+              <a:shade val="50000"/>
+            </a:schemeClr>
+          </a:lnRef>
+          <a:fillRef idx="1">
+            <a:schemeClr val="accent1"/>
+          </a:fillRef>
+          <a:effectRef idx="0">
+            <a:schemeClr val="accent1"/>
+          </a:effectRef>
+          <a:fontRef idx="minor">
+            <a:schemeClr val="lt1"/>
+          </a:fontRef>
+        </p:style>
+        <p:txBody>
+          <a:bodyPr rtlCol="0" anchor="ctr"/>
+          <a:lstStyle/>
+          <a:p>
+            <a:pPr algn="ctr"/>
+            <a:endParaRPr lang="en-US"/>
+          </a:p>
+        </p:txBody>
+      </p:sp>
+      <p:cxnSp>
+        <p:nvCxnSpPr>
+          <p:cNvPr id="43" name="Straight Connector 42"/>
+          <p:cNvCxnSpPr/>
+          <p:nvPr/>
+        </p:nvCxnSpPr>
+        <p:spPr>
+          <a:xfrm flipV="1">
+            <a:off x="2971800" y="2514600"/>
+            <a:ext cx="0" cy="381000"/>
+          </a:xfrm>
+          <a:prstGeom prst="line">
+            <a:avLst/>
+          </a:prstGeom>
+          <a:ln w="50800">
+            <a:solidFill>
+              <a:schemeClr val="bg1"/>
+            </a:solidFill>
+          </a:ln>
+        </p:spPr>
+        <p:style>
+          <a:lnRef idx="1">
+            <a:schemeClr val="accent1"/>
+          </a:lnRef>
+          <a:fillRef idx="0">
+            <a:schemeClr val="accent1"/>
+          </a:fillRef>
+          <a:effectRef idx="0">
+            <a:schemeClr val="accent1"/>
+          </a:effectRef>
+          <a:fontRef idx="minor">
+            <a:schemeClr val="tx1"/>
+          </a:fontRef>
+        </p:style>
+      </p:cxnSp>
+      <p:cxnSp>
+        <p:nvCxnSpPr>
+          <p:cNvPr id="44" name="Straight Connector 43"/>
+          <p:cNvCxnSpPr/>
+          <p:nvPr/>
+        </p:nvCxnSpPr>
+        <p:spPr>
+          <a:xfrm flipH="1">
+            <a:off x="1905000" y="4038600"/>
+            <a:ext cx="381000" cy="0"/>
+          </a:xfrm>
+          <a:prstGeom prst="line">
+            <a:avLst/>
+          </a:prstGeom>
+          <a:ln w="50800">
+            <a:solidFill>
+              <a:schemeClr val="bg1"/>
+            </a:solidFill>
+          </a:ln>
+        </p:spPr>
+        <p:style>
+          <a:lnRef idx="1">
+            <a:schemeClr val="accent1"/>
+          </a:lnRef>
+          <a:fillRef idx="0">
+            <a:schemeClr val="accent1"/>
+          </a:fillRef>
+          <a:effectRef idx="0">
+            <a:schemeClr val="accent1"/>
+          </a:effectRef>
+          <a:fontRef idx="minor">
+            <a:schemeClr val="tx1"/>
+          </a:fontRef>
+        </p:style>
+      </p:cxnSp>
+      <p:cxnSp>
+        <p:nvCxnSpPr>
+          <p:cNvPr id="46" name="Straight Connector 45"/>
+          <p:cNvCxnSpPr/>
+          <p:nvPr/>
+        </p:nvCxnSpPr>
+        <p:spPr>
+          <a:xfrm flipH="1">
+            <a:off x="1905000" y="3200400"/>
+            <a:ext cx="381000" cy="0"/>
+          </a:xfrm>
+          <a:prstGeom prst="line">
+            <a:avLst/>
+          </a:prstGeom>
+          <a:ln w="50800">
+            <a:solidFill>
+              <a:schemeClr val="bg1"/>
+            </a:solidFill>
+          </a:ln>
+        </p:spPr>
+        <p:style>
+          <a:lnRef idx="1">
+            <a:schemeClr val="accent1"/>
+          </a:lnRef>
+          <a:fillRef idx="0">
+            <a:schemeClr val="accent1"/>
+          </a:fillRef>
+          <a:effectRef idx="0">
+            <a:schemeClr val="accent1"/>
+          </a:effectRef>
+          <a:fontRef idx="minor">
+            <a:schemeClr val="tx1"/>
+          </a:fontRef>
+        </p:style>
+      </p:cxnSp>
+      <p:cxnSp>
+        <p:nvCxnSpPr>
+          <p:cNvPr id="47" name="Straight Connector 46"/>
+          <p:cNvCxnSpPr/>
+          <p:nvPr/>
+        </p:nvCxnSpPr>
+        <p:spPr>
+          <a:xfrm flipH="1">
+            <a:off x="1905000" y="4495800"/>
+            <a:ext cx="381000" cy="0"/>
+          </a:xfrm>
+          <a:prstGeom prst="line">
+            <a:avLst/>
+          </a:prstGeom>
+          <a:ln w="50800">
+            <a:solidFill>
+              <a:schemeClr val="bg1"/>
+            </a:solidFill>
+          </a:ln>
+        </p:spPr>
+        <p:style>
+          <a:lnRef idx="1">
+            <a:schemeClr val="accent1"/>
+          </a:lnRef>
+          <a:fillRef idx="0">
+            <a:schemeClr val="accent1"/>
+          </a:fillRef>
+          <a:effectRef idx="0">
+            <a:schemeClr val="accent1"/>
+          </a:effectRef>
+          <a:fontRef idx="minor">
+            <a:schemeClr val="tx1"/>
+          </a:fontRef>
+        </p:style>
+      </p:cxnSp>
+      <p:cxnSp>
+        <p:nvCxnSpPr>
+          <p:cNvPr id="48" name="Straight Connector 47"/>
+          <p:cNvCxnSpPr/>
+          <p:nvPr/>
+        </p:nvCxnSpPr>
+        <p:spPr>
+          <a:xfrm flipH="1">
+            <a:off x="3352800" y="4495800"/>
+            <a:ext cx="381000" cy="0"/>
+          </a:xfrm>
+          <a:prstGeom prst="line">
+            <a:avLst/>
+          </a:prstGeom>
+          <a:ln w="50800">
+            <a:solidFill>
+              <a:schemeClr val="bg1"/>
+            </a:solidFill>
+          </a:ln>
+        </p:spPr>
+        <p:style>
+          <a:lnRef idx="1">
+            <a:schemeClr val="accent1"/>
+          </a:lnRef>
+          <a:fillRef idx="0">
+            <a:schemeClr val="accent1"/>
+          </a:fillRef>
+          <a:effectRef idx="0">
+            <a:schemeClr val="accent1"/>
+          </a:effectRef>
+          <a:fontRef idx="minor">
+            <a:schemeClr val="tx1"/>
+          </a:fontRef>
+        </p:style>
+      </p:cxnSp>
+      <p:cxnSp>
+        <p:nvCxnSpPr>
+          <p:cNvPr id="49" name="Straight Connector 48"/>
+          <p:cNvCxnSpPr/>
+          <p:nvPr/>
+        </p:nvCxnSpPr>
+        <p:spPr>
+          <a:xfrm>
+            <a:off x="2667000" y="4724400"/>
+            <a:ext cx="0" cy="381000"/>
+          </a:xfrm>
+          <a:prstGeom prst="line">
+            <a:avLst/>
+          </a:prstGeom>
+          <a:ln w="50800">
+            <a:solidFill>
+              <a:schemeClr val="bg1"/>
+            </a:solidFill>
+          </a:ln>
+        </p:spPr>
+        <p:style>
+          <a:lnRef idx="1">
+            <a:schemeClr val="accent1"/>
+          </a:lnRef>
+          <a:fillRef idx="0">
+            <a:schemeClr val="accent1"/>
+          </a:fillRef>
+          <a:effectRef idx="0">
+            <a:schemeClr val="accent1"/>
+          </a:effectRef>
+          <a:fontRef idx="minor">
+            <a:schemeClr val="tx1"/>
+          </a:fontRef>
+        </p:style>
+      </p:cxnSp>
+      <p:sp>
+        <p:nvSpPr>
+          <p:cNvPr id="54" name="Oval 53"/>
+          <p:cNvSpPr/>
+          <p:nvPr/>
+        </p:nvSpPr>
+        <p:spPr>
+          <a:xfrm>
+            <a:off x="1371600" y="2438400"/>
+            <a:ext cx="304800" cy="304800"/>
+          </a:xfrm>
+          <a:prstGeom prst="ellipse">
+            <a:avLst/>
+          </a:prstGeom>
+        </p:spPr>
+        <p:style>
+          <a:lnRef idx="2">
+            <a:schemeClr val="accent1">
+              <a:shade val="50000"/>
+            </a:schemeClr>
+          </a:lnRef>
+          <a:fillRef idx="1">
+            <a:schemeClr val="accent1"/>
+          </a:fillRef>
+          <a:effectRef idx="0">
+            <a:schemeClr val="accent1"/>
+          </a:effectRef>
+          <a:fontRef idx="minor">
+            <a:schemeClr val="lt1"/>
+          </a:fontRef>
+        </p:style>
+        <p:txBody>
+          <a:bodyPr rtlCol="0" anchor="ctr"/>
+          <a:lstStyle/>
+          <a:p>
+            <a:pPr algn="ctr"/>
+            <a:endParaRPr lang="en-US"/>
+          </a:p>
+        </p:txBody>
+      </p:sp>
+      <p:sp>
+        <p:nvSpPr>
+          <p:cNvPr id="55" name="Oval 54"/>
+          <p:cNvSpPr/>
+          <p:nvPr/>
+        </p:nvSpPr>
+        <p:spPr>
+          <a:xfrm>
+            <a:off x="3886200" y="4114800"/>
+            <a:ext cx="304800" cy="304800"/>
+          </a:xfrm>
+          <a:prstGeom prst="ellipse">
+            <a:avLst/>
+          </a:prstGeom>
+          <a:solidFill>
+            <a:srgbClr val="92D050"/>
+          </a:solidFill>
+          <a:ln>
+            <a:solidFill>
+              <a:srgbClr val="00B050"/>
+            </a:solidFill>
+          </a:ln>
+        </p:spPr>
+        <p:style>
+          <a:lnRef idx="2">
+            <a:schemeClr val="accent1">
+              <a:shade val="50000"/>
+            </a:schemeClr>
+          </a:lnRef>
+          <a:fillRef idx="1">
+            <a:schemeClr val="accent1"/>
+          </a:fillRef>
+          <a:effectRef idx="0">
+            <a:schemeClr val="accent1"/>
+          </a:effectRef>
+          <a:fontRef idx="minor">
+            <a:schemeClr val="lt1"/>
+          </a:fontRef>
+        </p:style>
+        <p:txBody>
+          <a:bodyPr rtlCol="0" anchor="ctr"/>
+          <a:lstStyle/>
+          <a:p>
+            <a:pPr algn="ctr"/>
+            <a:endParaRPr lang="en-US"/>
           </a:p>
         </p:txBody>
       </p:sp>
@@ -27204,70 +28563,24 @@
           </a:p>
         </p:txBody>
       </p:sp>
-    </p:spTree>
-  </p:cSld>
-  <p:clrMapOvr>
-    <a:masterClrMapping/>
-  </p:clrMapOvr>
-</p:sld>
-</file>
-
-<file path=ppt/slides/slide4.xml><?xml version="1.0" encoding="utf-8"?>
-<p:sld xmlns:a="http://schemas.openxmlformats.org/drawingml/2006/main" xmlns:r="http://schemas.openxmlformats.org/officeDocument/2006/relationships" xmlns:p="http://schemas.openxmlformats.org/presentationml/2006/main">
-  <p:cSld>
-    <p:spTree>
-      <p:nvGrpSpPr>
-        <p:cNvPr id="1" name=""/>
-        <p:cNvGrpSpPr/>
-        <p:nvPr/>
-      </p:nvGrpSpPr>
-      <p:grpSpPr>
-        <a:xfrm>
-          <a:off x="0" y="0"/>
-          <a:ext cx="0" cy="0"/>
-          <a:chOff x="0" y="0"/>
-          <a:chExt cx="0" cy="0"/>
-        </a:xfrm>
-      </p:grpSpPr>
-      <p:sp>
-        <p:nvSpPr>
-          <p:cNvPr id="2" name="Title 1"/>
-          <p:cNvSpPr>
-            <a:spLocks noGrp="1"/>
-          </p:cNvSpPr>
-          <p:nvPr>
-            <p:ph type="title"/>
-          </p:nvPr>
-        </p:nvSpPr>
-        <p:spPr/>
-        <p:txBody>
-          <a:bodyPr/>
-          <a:lstStyle/>
-          <a:p>
-            <a:r>
-              <a:rPr lang="en-US" dirty="0" smtClean="0"/>
-              <a:t>Project Requirements</a:t>
-            </a:r>
-            <a:endParaRPr lang="en-US" dirty="0"/>
-          </a:p>
-        </p:txBody>
-      </p:sp>
-      <p:sp>
-        <p:nvSpPr>
-          <p:cNvPr id="5" name="Rectangle 4"/>
+      <p:sp>
+        <p:nvSpPr>
+          <p:cNvPr id="19" name="Explosion 2 18"/>
           <p:cNvSpPr/>
           <p:nvPr/>
         </p:nvSpPr>
         <p:spPr>
           <a:xfrm>
-            <a:off x="1143000" y="2286000"/>
-            <a:ext cx="3124200" cy="3124200"/>
-          </a:xfrm>
-          <a:prstGeom prst="rect">
+            <a:off x="609600" y="2209800"/>
+            <a:ext cx="4419600" cy="3200400"/>
+          </a:xfrm>
+          <a:prstGeom prst="irregularSeal2">
             <a:avLst/>
           </a:prstGeom>
-          <a:noFill/>
-          <a:ln w="50800">
+          <a:solidFill>
+            <a:srgbClr val="FFFF00"/>
+          </a:solidFill>
+          <a:ln>
             <a:solidFill>
               <a:schemeClr val="tx1"/>
             </a:solidFill>
@@ -27294,652 +28607,6 @@
           <a:lstStyle/>
           <a:p>
             <a:pPr algn="ctr"/>
-            <a:endParaRPr lang="en-US"/>
-          </a:p>
-        </p:txBody>
-      </p:sp>
-      <p:sp>
-        <p:nvSpPr>
-          <p:cNvPr id="6" name="Rectangle 5"/>
-          <p:cNvSpPr/>
-          <p:nvPr/>
-        </p:nvSpPr>
-        <p:spPr>
-          <a:xfrm>
-            <a:off x="1143000" y="4495800"/>
-            <a:ext cx="1524000" cy="914400"/>
-          </a:xfrm>
-          <a:prstGeom prst="rect">
-            <a:avLst/>
-          </a:prstGeom>
-          <a:noFill/>
-          <a:ln w="50800">
-            <a:solidFill>
-              <a:schemeClr val="tx1"/>
-            </a:solidFill>
-          </a:ln>
-        </p:spPr>
-        <p:style>
-          <a:lnRef idx="2">
-            <a:schemeClr val="accent1">
-              <a:shade val="50000"/>
-            </a:schemeClr>
-          </a:lnRef>
-          <a:fillRef idx="1">
-            <a:schemeClr val="accent1"/>
-          </a:fillRef>
-          <a:effectRef idx="0">
-            <a:schemeClr val="accent1"/>
-          </a:effectRef>
-          <a:fontRef idx="minor">
-            <a:schemeClr val="lt1"/>
-          </a:fontRef>
-        </p:style>
-        <p:txBody>
-          <a:bodyPr rtlCol="0" anchor="ctr"/>
-          <a:lstStyle/>
-          <a:p>
-            <a:pPr algn="ctr"/>
-            <a:endParaRPr lang="en-US"/>
-          </a:p>
-        </p:txBody>
-      </p:sp>
-      <p:sp>
-        <p:nvSpPr>
-          <p:cNvPr id="7" name="Rectangle 6"/>
-          <p:cNvSpPr/>
-          <p:nvPr/>
-        </p:nvSpPr>
-        <p:spPr>
-          <a:xfrm>
-            <a:off x="1143000" y="2286000"/>
-            <a:ext cx="1828800" cy="1752600"/>
-          </a:xfrm>
-          <a:prstGeom prst="rect">
-            <a:avLst/>
-          </a:prstGeom>
-          <a:noFill/>
-          <a:ln w="50800">
-            <a:solidFill>
-              <a:schemeClr val="tx1"/>
-            </a:solidFill>
-          </a:ln>
-        </p:spPr>
-        <p:style>
-          <a:lnRef idx="2">
-            <a:schemeClr val="accent1">
-              <a:shade val="50000"/>
-            </a:schemeClr>
-          </a:lnRef>
-          <a:fillRef idx="1">
-            <a:schemeClr val="accent1"/>
-          </a:fillRef>
-          <a:effectRef idx="0">
-            <a:schemeClr val="accent1"/>
-          </a:effectRef>
-          <a:fontRef idx="minor">
-            <a:schemeClr val="lt1"/>
-          </a:fontRef>
-        </p:style>
-        <p:txBody>
-          <a:bodyPr rtlCol="0" anchor="ctr"/>
-          <a:lstStyle/>
-          <a:p>
-            <a:pPr algn="ctr"/>
-            <a:endParaRPr lang="en-US"/>
-          </a:p>
-        </p:txBody>
-      </p:sp>
-      <p:sp>
-        <p:nvSpPr>
-          <p:cNvPr id="10" name="Rectangle 9"/>
-          <p:cNvSpPr/>
-          <p:nvPr/>
-        </p:nvSpPr>
-        <p:spPr>
-          <a:xfrm>
-            <a:off x="2667000" y="4495800"/>
-            <a:ext cx="1600200" cy="914400"/>
-          </a:xfrm>
-          <a:prstGeom prst="rect">
-            <a:avLst/>
-          </a:prstGeom>
-          <a:noFill/>
-          <a:ln w="50800">
-            <a:solidFill>
-              <a:schemeClr val="tx1"/>
-            </a:solidFill>
-          </a:ln>
-        </p:spPr>
-        <p:style>
-          <a:lnRef idx="2">
-            <a:schemeClr val="accent1">
-              <a:shade val="50000"/>
-            </a:schemeClr>
-          </a:lnRef>
-          <a:fillRef idx="1">
-            <a:schemeClr val="accent1"/>
-          </a:fillRef>
-          <a:effectRef idx="0">
-            <a:schemeClr val="accent1"/>
-          </a:effectRef>
-          <a:fontRef idx="minor">
-            <a:schemeClr val="lt1"/>
-          </a:fontRef>
-        </p:style>
-        <p:txBody>
-          <a:bodyPr rtlCol="0" anchor="ctr"/>
-          <a:lstStyle/>
-          <a:p>
-            <a:pPr algn="ctr"/>
-            <a:endParaRPr lang="en-US"/>
-          </a:p>
-        </p:txBody>
-      </p:sp>
-      <p:cxnSp>
-        <p:nvCxnSpPr>
-          <p:cNvPr id="34" name="Straight Connector 33"/>
-          <p:cNvCxnSpPr/>
-          <p:nvPr/>
-        </p:nvCxnSpPr>
-        <p:spPr>
-          <a:xfrm flipV="1">
-            <a:off x="4267200" y="3733800"/>
-            <a:ext cx="0" cy="457200"/>
-          </a:xfrm>
-          <a:prstGeom prst="line">
-            <a:avLst/>
-          </a:prstGeom>
-          <a:ln w="50800">
-            <a:solidFill>
-              <a:schemeClr val="bg1"/>
-            </a:solidFill>
-          </a:ln>
-        </p:spPr>
-        <p:style>
-          <a:lnRef idx="1">
-            <a:schemeClr val="accent1"/>
-          </a:lnRef>
-          <a:fillRef idx="0">
-            <a:schemeClr val="accent1"/>
-          </a:fillRef>
-          <a:effectRef idx="0">
-            <a:schemeClr val="accent1"/>
-          </a:effectRef>
-          <a:fontRef idx="minor">
-            <a:schemeClr val="tx1"/>
-          </a:fontRef>
-        </p:style>
-      </p:cxnSp>
-      <p:sp>
-        <p:nvSpPr>
-          <p:cNvPr id="38" name="Rectangle 37"/>
-          <p:cNvSpPr/>
-          <p:nvPr/>
-        </p:nvSpPr>
-        <p:spPr>
-          <a:xfrm>
-            <a:off x="3429000" y="2286000"/>
-            <a:ext cx="838200" cy="1219200"/>
-          </a:xfrm>
-          <a:prstGeom prst="rect">
-            <a:avLst/>
-          </a:prstGeom>
-          <a:noFill/>
-          <a:ln w="50800">
-            <a:solidFill>
-              <a:schemeClr val="tx1"/>
-            </a:solidFill>
-          </a:ln>
-        </p:spPr>
-        <p:style>
-          <a:lnRef idx="2">
-            <a:schemeClr val="accent1">
-              <a:shade val="50000"/>
-            </a:schemeClr>
-          </a:lnRef>
-          <a:fillRef idx="1">
-            <a:schemeClr val="accent1"/>
-          </a:fillRef>
-          <a:effectRef idx="0">
-            <a:schemeClr val="accent1"/>
-          </a:effectRef>
-          <a:fontRef idx="minor">
-            <a:schemeClr val="lt1"/>
-          </a:fontRef>
-        </p:style>
-        <p:txBody>
-          <a:bodyPr rtlCol="0" anchor="ctr"/>
-          <a:lstStyle/>
-          <a:p>
-            <a:pPr algn="ctr"/>
-            <a:endParaRPr lang="en-US"/>
-          </a:p>
-        </p:txBody>
-      </p:sp>
-      <p:cxnSp>
-        <p:nvCxnSpPr>
-          <p:cNvPr id="40" name="Straight Connector 39"/>
-          <p:cNvCxnSpPr/>
-          <p:nvPr/>
-        </p:nvCxnSpPr>
-        <p:spPr>
-          <a:xfrm flipV="1">
-            <a:off x="3429000" y="2667000"/>
-            <a:ext cx="0" cy="381000"/>
-          </a:xfrm>
-          <a:prstGeom prst="line">
-            <a:avLst/>
-          </a:prstGeom>
-          <a:ln w="50800">
-            <a:solidFill>
-              <a:schemeClr val="bg1"/>
-            </a:solidFill>
-          </a:ln>
-        </p:spPr>
-        <p:style>
-          <a:lnRef idx="1">
-            <a:schemeClr val="accent1"/>
-          </a:lnRef>
-          <a:fillRef idx="0">
-            <a:schemeClr val="accent1"/>
-          </a:fillRef>
-          <a:effectRef idx="0">
-            <a:schemeClr val="accent1"/>
-          </a:effectRef>
-          <a:fontRef idx="minor">
-            <a:schemeClr val="tx1"/>
-          </a:fontRef>
-        </p:style>
-      </p:cxnSp>
-      <p:sp>
-        <p:nvSpPr>
-          <p:cNvPr id="41" name="Rectangle 40"/>
-          <p:cNvSpPr/>
-          <p:nvPr/>
-        </p:nvSpPr>
-        <p:spPr>
-          <a:xfrm>
-            <a:off x="1143000" y="2286000"/>
-            <a:ext cx="1828800" cy="914400"/>
-          </a:xfrm>
-          <a:prstGeom prst="rect">
-            <a:avLst/>
-          </a:prstGeom>
-          <a:noFill/>
-          <a:ln w="50800">
-            <a:solidFill>
-              <a:schemeClr val="tx1"/>
-            </a:solidFill>
-          </a:ln>
-        </p:spPr>
-        <p:style>
-          <a:lnRef idx="2">
-            <a:schemeClr val="accent1">
-              <a:shade val="50000"/>
-            </a:schemeClr>
-          </a:lnRef>
-          <a:fillRef idx="1">
-            <a:schemeClr val="accent1"/>
-          </a:fillRef>
-          <a:effectRef idx="0">
-            <a:schemeClr val="accent1"/>
-          </a:effectRef>
-          <a:fontRef idx="minor">
-            <a:schemeClr val="lt1"/>
-          </a:fontRef>
-        </p:style>
-        <p:txBody>
-          <a:bodyPr rtlCol="0" anchor="ctr"/>
-          <a:lstStyle/>
-          <a:p>
-            <a:pPr algn="ctr"/>
-            <a:endParaRPr lang="en-US"/>
-          </a:p>
-        </p:txBody>
-      </p:sp>
-      <p:cxnSp>
-        <p:nvCxnSpPr>
-          <p:cNvPr id="43" name="Straight Connector 42"/>
-          <p:cNvCxnSpPr/>
-          <p:nvPr/>
-        </p:nvCxnSpPr>
-        <p:spPr>
-          <a:xfrm flipV="1">
-            <a:off x="2971800" y="2514600"/>
-            <a:ext cx="0" cy="381000"/>
-          </a:xfrm>
-          <a:prstGeom prst="line">
-            <a:avLst/>
-          </a:prstGeom>
-          <a:ln w="50800">
-            <a:solidFill>
-              <a:schemeClr val="bg1"/>
-            </a:solidFill>
-          </a:ln>
-        </p:spPr>
-        <p:style>
-          <a:lnRef idx="1">
-            <a:schemeClr val="accent1"/>
-          </a:lnRef>
-          <a:fillRef idx="0">
-            <a:schemeClr val="accent1"/>
-          </a:fillRef>
-          <a:effectRef idx="0">
-            <a:schemeClr val="accent1"/>
-          </a:effectRef>
-          <a:fontRef idx="minor">
-            <a:schemeClr val="tx1"/>
-          </a:fontRef>
-        </p:style>
-      </p:cxnSp>
-      <p:cxnSp>
-        <p:nvCxnSpPr>
-          <p:cNvPr id="44" name="Straight Connector 43"/>
-          <p:cNvCxnSpPr/>
-          <p:nvPr/>
-        </p:nvCxnSpPr>
-        <p:spPr>
-          <a:xfrm flipH="1">
-            <a:off x="1905000" y="4038600"/>
-            <a:ext cx="381000" cy="0"/>
-          </a:xfrm>
-          <a:prstGeom prst="line">
-            <a:avLst/>
-          </a:prstGeom>
-          <a:ln w="50800">
-            <a:solidFill>
-              <a:schemeClr val="bg1"/>
-            </a:solidFill>
-          </a:ln>
-        </p:spPr>
-        <p:style>
-          <a:lnRef idx="1">
-            <a:schemeClr val="accent1"/>
-          </a:lnRef>
-          <a:fillRef idx="0">
-            <a:schemeClr val="accent1"/>
-          </a:fillRef>
-          <a:effectRef idx="0">
-            <a:schemeClr val="accent1"/>
-          </a:effectRef>
-          <a:fontRef idx="minor">
-            <a:schemeClr val="tx1"/>
-          </a:fontRef>
-        </p:style>
-      </p:cxnSp>
-      <p:cxnSp>
-        <p:nvCxnSpPr>
-          <p:cNvPr id="46" name="Straight Connector 45"/>
-          <p:cNvCxnSpPr/>
-          <p:nvPr/>
-        </p:nvCxnSpPr>
-        <p:spPr>
-          <a:xfrm flipH="1">
-            <a:off x="1905000" y="3200400"/>
-            <a:ext cx="381000" cy="0"/>
-          </a:xfrm>
-          <a:prstGeom prst="line">
-            <a:avLst/>
-          </a:prstGeom>
-          <a:ln w="50800">
-            <a:solidFill>
-              <a:schemeClr val="bg1"/>
-            </a:solidFill>
-          </a:ln>
-        </p:spPr>
-        <p:style>
-          <a:lnRef idx="1">
-            <a:schemeClr val="accent1"/>
-          </a:lnRef>
-          <a:fillRef idx="0">
-            <a:schemeClr val="accent1"/>
-          </a:fillRef>
-          <a:effectRef idx="0">
-            <a:schemeClr val="accent1"/>
-          </a:effectRef>
-          <a:fontRef idx="minor">
-            <a:schemeClr val="tx1"/>
-          </a:fontRef>
-        </p:style>
-      </p:cxnSp>
-      <p:cxnSp>
-        <p:nvCxnSpPr>
-          <p:cNvPr id="47" name="Straight Connector 46"/>
-          <p:cNvCxnSpPr/>
-          <p:nvPr/>
-        </p:nvCxnSpPr>
-        <p:spPr>
-          <a:xfrm flipH="1">
-            <a:off x="1905000" y="4495800"/>
-            <a:ext cx="381000" cy="0"/>
-          </a:xfrm>
-          <a:prstGeom prst="line">
-            <a:avLst/>
-          </a:prstGeom>
-          <a:ln w="50800">
-            <a:solidFill>
-              <a:schemeClr val="bg1"/>
-            </a:solidFill>
-          </a:ln>
-        </p:spPr>
-        <p:style>
-          <a:lnRef idx="1">
-            <a:schemeClr val="accent1"/>
-          </a:lnRef>
-          <a:fillRef idx="0">
-            <a:schemeClr val="accent1"/>
-          </a:fillRef>
-          <a:effectRef idx="0">
-            <a:schemeClr val="accent1"/>
-          </a:effectRef>
-          <a:fontRef idx="minor">
-            <a:schemeClr val="tx1"/>
-          </a:fontRef>
-        </p:style>
-      </p:cxnSp>
-      <p:cxnSp>
-        <p:nvCxnSpPr>
-          <p:cNvPr id="48" name="Straight Connector 47"/>
-          <p:cNvCxnSpPr/>
-          <p:nvPr/>
-        </p:nvCxnSpPr>
-        <p:spPr>
-          <a:xfrm flipH="1">
-            <a:off x="3352800" y="4495800"/>
-            <a:ext cx="381000" cy="0"/>
-          </a:xfrm>
-          <a:prstGeom prst="line">
-            <a:avLst/>
-          </a:prstGeom>
-          <a:ln w="50800">
-            <a:solidFill>
-              <a:schemeClr val="bg1"/>
-            </a:solidFill>
-          </a:ln>
-        </p:spPr>
-        <p:style>
-          <a:lnRef idx="1">
-            <a:schemeClr val="accent1"/>
-          </a:lnRef>
-          <a:fillRef idx="0">
-            <a:schemeClr val="accent1"/>
-          </a:fillRef>
-          <a:effectRef idx="0">
-            <a:schemeClr val="accent1"/>
-          </a:effectRef>
-          <a:fontRef idx="minor">
-            <a:schemeClr val="tx1"/>
-          </a:fontRef>
-        </p:style>
-      </p:cxnSp>
-      <p:cxnSp>
-        <p:nvCxnSpPr>
-          <p:cNvPr id="49" name="Straight Connector 48"/>
-          <p:cNvCxnSpPr/>
-          <p:nvPr/>
-        </p:nvCxnSpPr>
-        <p:spPr>
-          <a:xfrm>
-            <a:off x="2667000" y="4724400"/>
-            <a:ext cx="0" cy="381000"/>
-          </a:xfrm>
-          <a:prstGeom prst="line">
-            <a:avLst/>
-          </a:prstGeom>
-          <a:ln w="50800">
-            <a:solidFill>
-              <a:schemeClr val="bg1"/>
-            </a:solidFill>
-          </a:ln>
-        </p:spPr>
-        <p:style>
-          <a:lnRef idx="1">
-            <a:schemeClr val="accent1"/>
-          </a:lnRef>
-          <a:fillRef idx="0">
-            <a:schemeClr val="accent1"/>
-          </a:fillRef>
-          <a:effectRef idx="0">
-            <a:schemeClr val="accent1"/>
-          </a:effectRef>
-          <a:fontRef idx="minor">
-            <a:schemeClr val="tx1"/>
-          </a:fontRef>
-        </p:style>
-      </p:cxnSp>
-      <p:sp>
-        <p:nvSpPr>
-          <p:cNvPr id="54" name="Oval 53"/>
-          <p:cNvSpPr/>
-          <p:nvPr/>
-        </p:nvSpPr>
-        <p:spPr>
-          <a:xfrm>
-            <a:off x="1371600" y="2438400"/>
-            <a:ext cx="304800" cy="304800"/>
-          </a:xfrm>
-          <a:prstGeom prst="ellipse">
-            <a:avLst/>
-          </a:prstGeom>
-        </p:spPr>
-        <p:style>
-          <a:lnRef idx="2">
-            <a:schemeClr val="accent1">
-              <a:shade val="50000"/>
-            </a:schemeClr>
-          </a:lnRef>
-          <a:fillRef idx="1">
-            <a:schemeClr val="accent1"/>
-          </a:fillRef>
-          <a:effectRef idx="0">
-            <a:schemeClr val="accent1"/>
-          </a:effectRef>
-          <a:fontRef idx="minor">
-            <a:schemeClr val="lt1"/>
-          </a:fontRef>
-        </p:style>
-        <p:txBody>
-          <a:bodyPr rtlCol="0" anchor="ctr"/>
-          <a:lstStyle/>
-          <a:p>
-            <a:pPr algn="ctr"/>
-            <a:endParaRPr lang="en-US"/>
-          </a:p>
-        </p:txBody>
-      </p:sp>
-      <p:sp>
-        <p:nvSpPr>
-          <p:cNvPr id="55" name="Oval 54"/>
-          <p:cNvSpPr/>
-          <p:nvPr/>
-        </p:nvSpPr>
-        <p:spPr>
-          <a:xfrm>
-            <a:off x="3886200" y="4114800"/>
-            <a:ext cx="304800" cy="304800"/>
-          </a:xfrm>
-          <a:prstGeom prst="ellipse">
-            <a:avLst/>
-          </a:prstGeom>
-          <a:solidFill>
-            <a:srgbClr val="92D050"/>
-          </a:solidFill>
-          <a:ln>
-            <a:solidFill>
-              <a:srgbClr val="00B050"/>
-            </a:solidFill>
-          </a:ln>
-        </p:spPr>
-        <p:style>
-          <a:lnRef idx="2">
-            <a:schemeClr val="accent1">
-              <a:shade val="50000"/>
-            </a:schemeClr>
-          </a:lnRef>
-          <a:fillRef idx="1">
-            <a:schemeClr val="accent1"/>
-          </a:fillRef>
-          <a:effectRef idx="0">
-            <a:schemeClr val="accent1"/>
-          </a:effectRef>
-          <a:fontRef idx="minor">
-            <a:schemeClr val="lt1"/>
-          </a:fontRef>
-        </p:style>
-        <p:txBody>
-          <a:bodyPr rtlCol="0" anchor="ctr"/>
-          <a:lstStyle/>
-          <a:p>
-            <a:pPr algn="ctr"/>
-            <a:endParaRPr lang="en-US"/>
-          </a:p>
-        </p:txBody>
-      </p:sp>
-      <p:sp>
-        <p:nvSpPr>
-          <p:cNvPr id="19" name="Explosion 2 18"/>
-          <p:cNvSpPr/>
-          <p:nvPr/>
-        </p:nvSpPr>
-        <p:spPr>
-          <a:xfrm>
-            <a:off x="609600" y="2209800"/>
-            <a:ext cx="4419600" cy="3200400"/>
-          </a:xfrm>
-          <a:prstGeom prst="irregularSeal2">
-            <a:avLst/>
-          </a:prstGeom>
-          <a:solidFill>
-            <a:srgbClr val="FFFF00"/>
-          </a:solidFill>
-          <a:ln>
-            <a:solidFill>
-              <a:schemeClr val="tx1"/>
-            </a:solidFill>
-          </a:ln>
-        </p:spPr>
-        <p:style>
-          <a:lnRef idx="2">
-            <a:schemeClr val="accent1">
-              <a:shade val="50000"/>
-            </a:schemeClr>
-          </a:lnRef>
-          <a:fillRef idx="1">
-            <a:schemeClr val="accent1"/>
-          </a:fillRef>
-          <a:effectRef idx="0">
-            <a:schemeClr val="accent1"/>
-          </a:effectRef>
-          <a:fontRef idx="minor">
-            <a:schemeClr val="lt1"/>
-          </a:fontRef>
-        </p:style>
-        <p:txBody>
-          <a:bodyPr rtlCol="0" anchor="ctr"/>
-          <a:lstStyle/>
-          <a:p>
-            <a:pPr algn="ctr"/>
             <a:r>
               <a:rPr lang="en-US" sz="3600" dirty="0" smtClean="0">
                 <a:solidFill>
@@ -27964,7 +28631,7 @@
 </p:sld>
 </file>
 
-<file path=ppt/slides/slide5.xml><?xml version="1.0" encoding="utf-8"?>
+<file path=ppt/slides/slide4.xml><?xml version="1.0" encoding="utf-8"?>
 <p:sld xmlns:a="http://schemas.openxmlformats.org/drawingml/2006/main" xmlns:r="http://schemas.openxmlformats.org/officeDocument/2006/relationships" xmlns:p="http://schemas.openxmlformats.org/presentationml/2006/main">
   <p:cSld>
     <p:spTree>
@@ -31027,7 +31694,7 @@
 </p:sld>
 </file>
 
-<file path=ppt/slides/slide6.xml><?xml version="1.0" encoding="utf-8"?>
+<file path=ppt/slides/slide5.xml><?xml version="1.0" encoding="utf-8"?>
 <p:sld xmlns:a="http://schemas.openxmlformats.org/drawingml/2006/main" xmlns:r="http://schemas.openxmlformats.org/officeDocument/2006/relationships" xmlns:p="http://schemas.openxmlformats.org/presentationml/2006/main">
   <p:cSld>
     <p:spTree>
@@ -34335,7 +35002,7 @@
 </p:sld>
 </file>
 
-<file path=ppt/slides/slide7.xml><?xml version="1.0" encoding="utf-8"?>
+<file path=ppt/slides/slide6.xml><?xml version="1.0" encoding="utf-8"?>
 <p:sld xmlns:a="http://schemas.openxmlformats.org/drawingml/2006/main" xmlns:r="http://schemas.openxmlformats.org/officeDocument/2006/relationships" xmlns:p="http://schemas.openxmlformats.org/presentationml/2006/main">
   <p:cSld>
     <p:spTree>
@@ -37026,6 +37693,422 @@
 </p:sld>
 </file>
 
+<file path=ppt/slides/slide7.xml><?xml version="1.0" encoding="utf-8"?>
+<p:sld xmlns:a="http://schemas.openxmlformats.org/drawingml/2006/main" xmlns:r="http://schemas.openxmlformats.org/officeDocument/2006/relationships" xmlns:p="http://schemas.openxmlformats.org/presentationml/2006/main">
+  <p:cSld>
+    <p:spTree>
+      <p:nvGrpSpPr>
+        <p:cNvPr id="1" name=""/>
+        <p:cNvGrpSpPr/>
+        <p:nvPr/>
+      </p:nvGrpSpPr>
+      <p:grpSpPr>
+        <a:xfrm>
+          <a:off x="0" y="0"/>
+          <a:ext cx="0" cy="0"/>
+          <a:chOff x="0" y="0"/>
+          <a:chExt cx="0" cy="0"/>
+        </a:xfrm>
+      </p:grpSpPr>
+      <p:sp>
+        <p:nvSpPr>
+          <p:cNvPr id="2" name="Title 1"/>
+          <p:cNvSpPr>
+            <a:spLocks noGrp="1"/>
+          </p:cNvSpPr>
+          <p:nvPr>
+            <p:ph type="title"/>
+          </p:nvPr>
+        </p:nvSpPr>
+        <p:spPr/>
+        <p:txBody>
+          <a:bodyPr/>
+          <a:lstStyle/>
+          <a:p>
+            <a:r>
+              <a:rPr lang="en-US" dirty="0" smtClean="0"/>
+              <a:t>SLAM Background</a:t>
+            </a:r>
+            <a:endParaRPr lang="en-US" dirty="0"/>
+          </a:p>
+        </p:txBody>
+      </p:sp>
+      <p:sp>
+        <p:nvSpPr>
+          <p:cNvPr id="4" name="Content Placeholder 3"/>
+          <p:cNvSpPr>
+            <a:spLocks noGrp="1"/>
+          </p:cNvSpPr>
+          <p:nvPr>
+            <p:ph sz="half" idx="1"/>
+          </p:nvPr>
+        </p:nvSpPr>
+        <p:spPr/>
+        <p:txBody>
+          <a:bodyPr>
+            <a:normAutofit fontScale="92500" lnSpcReduction="20000"/>
+          </a:bodyPr>
+          <a:lstStyle/>
+          <a:p>
+            <a:r>
+              <a:rPr lang="en-US" dirty="0" smtClean="0"/>
+              <a:t>SLAM = Simultaneous Localization and Mapping</a:t>
+            </a:r>
+          </a:p>
+          <a:p>
+            <a:r>
+              <a:rPr lang="en-US" dirty="0" smtClean="0"/>
+              <a:t>Family of algorithms used for robotic exploration</a:t>
+            </a:r>
+          </a:p>
+          <a:p>
+            <a:r>
+              <a:rPr lang="en-US" dirty="0" smtClean="0"/>
+              <a:t>Localizes a robot using sensor </a:t>
+            </a:r>
+            <a:r>
+              <a:rPr lang="en-US" dirty="0" err="1" smtClean="0"/>
+              <a:t>odometry</a:t>
+            </a:r>
+            <a:r>
+              <a:rPr lang="en-US" dirty="0" smtClean="0"/>
+              <a:t> and map landmarks</a:t>
+            </a:r>
+          </a:p>
+          <a:p>
+            <a:r>
+              <a:rPr lang="en-US" dirty="0" smtClean="0"/>
+              <a:t>Updates map landmarks as it goes</a:t>
+            </a:r>
+          </a:p>
+          <a:p>
+            <a:r>
+              <a:rPr lang="en-US" dirty="0" smtClean="0"/>
+              <a:t>Uses estimation filters</a:t>
+            </a:r>
+          </a:p>
+          <a:p>
+            <a:pPr>
+              <a:buNone/>
+            </a:pPr>
+            <a:endParaRPr lang="en-US" dirty="0"/>
+          </a:p>
+        </p:txBody>
+      </p:sp>
+      <p:pic>
+        <p:nvPicPr>
+          <p:cNvPr id="6" name="Content Placeholder 5" descr="fleming00.png"/>
+          <p:cNvPicPr>
+            <a:picLocks noGrp="1" noChangeAspect="1"/>
+          </p:cNvPicPr>
+          <p:nvPr>
+            <p:ph sz="half" idx="2"/>
+          </p:nvPr>
+        </p:nvPicPr>
+        <p:blipFill>
+          <a:blip r:embed="rId2" cstate="print"/>
+          <a:stretch>
+            <a:fillRect/>
+          </a:stretch>
+        </p:blipFill>
+        <p:spPr>
+          <a:xfrm>
+            <a:off x="4648200" y="2965879"/>
+            <a:ext cx="4038600" cy="1794605"/>
+          </a:xfrm>
+        </p:spPr>
+      </p:pic>
+      <p:sp>
+        <p:nvSpPr>
+          <p:cNvPr id="7" name="TextBox 6"/>
+          <p:cNvSpPr txBox="1"/>
+          <p:nvPr/>
+        </p:nvSpPr>
+        <p:spPr>
+          <a:xfrm>
+            <a:off x="4495800" y="4572000"/>
+            <a:ext cx="4114800" cy="646331"/>
+          </a:xfrm>
+          <a:prstGeom prst="rect">
+            <a:avLst/>
+          </a:prstGeom>
+          <a:noFill/>
+        </p:spPr>
+        <p:txBody>
+          <a:bodyPr wrap="square" rtlCol="0">
+            <a:spAutoFit/>
+          </a:bodyPr>
+          <a:lstStyle/>
+          <a:p>
+            <a:pPr algn="ctr"/>
+            <a:r>
+              <a:rPr lang="en-US" dirty="0" smtClean="0"/>
+              <a:t>Occupancy map of Fleming Flight Space</a:t>
+            </a:r>
+          </a:p>
+          <a:p>
+            <a:pPr algn="ctr"/>
+            <a:r>
+              <a:rPr lang="en-US" dirty="0" smtClean="0"/>
+              <a:t>Generated with RGBD sensor</a:t>
+            </a:r>
+            <a:endParaRPr lang="en-US" dirty="0"/>
+          </a:p>
+        </p:txBody>
+      </p:sp>
+      <p:sp>
+        <p:nvSpPr>
+          <p:cNvPr id="8" name="TextBox 7"/>
+          <p:cNvSpPr txBox="1"/>
+          <p:nvPr/>
+        </p:nvSpPr>
+        <p:spPr>
+          <a:xfrm>
+            <a:off x="7696200" y="2286000"/>
+            <a:ext cx="1447800" cy="369332"/>
+          </a:xfrm>
+          <a:prstGeom prst="rect">
+            <a:avLst/>
+          </a:prstGeom>
+          <a:noFill/>
+        </p:spPr>
+        <p:txBody>
+          <a:bodyPr wrap="square" rtlCol="0">
+            <a:spAutoFit/>
+          </a:bodyPr>
+          <a:lstStyle/>
+          <a:p>
+            <a:pPr algn="ctr"/>
+            <a:r>
+              <a:rPr lang="en-US" dirty="0" smtClean="0"/>
+              <a:t>Wall</a:t>
+            </a:r>
+            <a:endParaRPr lang="en-US" dirty="0"/>
+          </a:p>
+        </p:txBody>
+      </p:sp>
+      <p:cxnSp>
+        <p:nvCxnSpPr>
+          <p:cNvPr id="9" name="Straight Arrow Connector 8"/>
+          <p:cNvCxnSpPr>
+            <a:stCxn id="8" idx="2"/>
+          </p:cNvCxnSpPr>
+          <p:nvPr/>
+        </p:nvCxnSpPr>
+        <p:spPr>
+          <a:xfrm flipH="1">
+            <a:off x="8229600" y="2655332"/>
+            <a:ext cx="190500" cy="468868"/>
+          </a:xfrm>
+          <a:prstGeom prst="straightConnector1">
+            <a:avLst/>
+          </a:prstGeom>
+          <a:ln w="25400">
+            <a:solidFill>
+              <a:schemeClr val="tx1"/>
+            </a:solidFill>
+            <a:tailEnd type="arrow"/>
+          </a:ln>
+        </p:spPr>
+        <p:style>
+          <a:lnRef idx="1">
+            <a:schemeClr val="accent1"/>
+          </a:lnRef>
+          <a:fillRef idx="0">
+            <a:schemeClr val="accent1"/>
+          </a:fillRef>
+          <a:effectRef idx="0">
+            <a:schemeClr val="accent1"/>
+          </a:effectRef>
+          <a:fontRef idx="minor">
+            <a:schemeClr val="tx1"/>
+          </a:fontRef>
+        </p:style>
+      </p:cxnSp>
+      <p:sp>
+        <p:nvSpPr>
+          <p:cNvPr id="12" name="TextBox 11"/>
+          <p:cNvSpPr txBox="1"/>
+          <p:nvPr/>
+        </p:nvSpPr>
+        <p:spPr>
+          <a:xfrm>
+            <a:off x="5105400" y="2362200"/>
+            <a:ext cx="1447800" cy="646331"/>
+          </a:xfrm>
+          <a:prstGeom prst="rect">
+            <a:avLst/>
+          </a:prstGeom>
+          <a:noFill/>
+        </p:spPr>
+        <p:txBody>
+          <a:bodyPr wrap="square" rtlCol="0">
+            <a:spAutoFit/>
+          </a:bodyPr>
+          <a:lstStyle/>
+          <a:p>
+            <a:pPr algn="ctr"/>
+            <a:r>
+              <a:rPr lang="en-US" dirty="0" smtClean="0"/>
+              <a:t>Plywood Structures</a:t>
+            </a:r>
+            <a:endParaRPr lang="en-US" dirty="0"/>
+          </a:p>
+        </p:txBody>
+      </p:sp>
+      <p:cxnSp>
+        <p:nvCxnSpPr>
+          <p:cNvPr id="13" name="Straight Arrow Connector 12"/>
+          <p:cNvCxnSpPr>
+            <a:stCxn id="12" idx="2"/>
+          </p:cNvCxnSpPr>
+          <p:nvPr/>
+        </p:nvCxnSpPr>
+        <p:spPr>
+          <a:xfrm>
+            <a:off x="5829300" y="3008531"/>
+            <a:ext cx="1104900" cy="801469"/>
+          </a:xfrm>
+          <a:prstGeom prst="straightConnector1">
+            <a:avLst/>
+          </a:prstGeom>
+          <a:ln w="25400">
+            <a:solidFill>
+              <a:schemeClr val="tx1"/>
+            </a:solidFill>
+            <a:tailEnd type="arrow"/>
+          </a:ln>
+        </p:spPr>
+        <p:style>
+          <a:lnRef idx="1">
+            <a:schemeClr val="accent1"/>
+          </a:lnRef>
+          <a:fillRef idx="0">
+            <a:schemeClr val="accent1"/>
+          </a:fillRef>
+          <a:effectRef idx="0">
+            <a:schemeClr val="accent1"/>
+          </a:effectRef>
+          <a:fontRef idx="minor">
+            <a:schemeClr val="tx1"/>
+          </a:fontRef>
+        </p:style>
+      </p:cxnSp>
+      <p:cxnSp>
+        <p:nvCxnSpPr>
+          <p:cNvPr id="15" name="Straight Arrow Connector 14"/>
+          <p:cNvCxnSpPr>
+            <a:stCxn id="12" idx="2"/>
+          </p:cNvCxnSpPr>
+          <p:nvPr/>
+        </p:nvCxnSpPr>
+        <p:spPr>
+          <a:xfrm>
+            <a:off x="5829300" y="3008531"/>
+            <a:ext cx="571500" cy="877669"/>
+          </a:xfrm>
+          <a:prstGeom prst="straightConnector1">
+            <a:avLst/>
+          </a:prstGeom>
+          <a:ln w="25400">
+            <a:solidFill>
+              <a:schemeClr val="tx1"/>
+            </a:solidFill>
+            <a:tailEnd type="arrow"/>
+          </a:ln>
+        </p:spPr>
+        <p:style>
+          <a:lnRef idx="1">
+            <a:schemeClr val="accent1"/>
+          </a:lnRef>
+          <a:fillRef idx="0">
+            <a:schemeClr val="accent1"/>
+          </a:fillRef>
+          <a:effectRef idx="0">
+            <a:schemeClr val="accent1"/>
+          </a:effectRef>
+          <a:fontRef idx="minor">
+            <a:schemeClr val="tx1"/>
+          </a:fontRef>
+        </p:style>
+      </p:cxnSp>
+      <p:sp>
+        <p:nvSpPr>
+          <p:cNvPr id="21" name="TextBox 20"/>
+          <p:cNvSpPr txBox="1"/>
+          <p:nvPr/>
+        </p:nvSpPr>
+        <p:spPr>
+          <a:xfrm>
+            <a:off x="6477000" y="2362200"/>
+            <a:ext cx="1447800" cy="369332"/>
+          </a:xfrm>
+          <a:prstGeom prst="rect">
+            <a:avLst/>
+          </a:prstGeom>
+          <a:noFill/>
+        </p:spPr>
+        <p:txBody>
+          <a:bodyPr wrap="square" rtlCol="0">
+            <a:spAutoFit/>
+          </a:bodyPr>
+          <a:lstStyle/>
+          <a:p>
+            <a:pPr algn="ctr"/>
+            <a:r>
+              <a:rPr lang="en-US" dirty="0" smtClean="0"/>
+              <a:t>Floor</a:t>
+            </a:r>
+            <a:endParaRPr lang="en-US" dirty="0"/>
+          </a:p>
+        </p:txBody>
+      </p:sp>
+      <p:cxnSp>
+        <p:nvCxnSpPr>
+          <p:cNvPr id="24" name="Straight Arrow Connector 23"/>
+          <p:cNvCxnSpPr>
+            <a:stCxn id="21" idx="2"/>
+          </p:cNvCxnSpPr>
+          <p:nvPr/>
+        </p:nvCxnSpPr>
+        <p:spPr>
+          <a:xfrm>
+            <a:off x="7200900" y="2731532"/>
+            <a:ext cx="190500" cy="1307068"/>
+          </a:xfrm>
+          <a:prstGeom prst="straightConnector1">
+            <a:avLst/>
+          </a:prstGeom>
+          <a:ln w="25400">
+            <a:solidFill>
+              <a:schemeClr val="tx1"/>
+            </a:solidFill>
+            <a:tailEnd type="arrow"/>
+          </a:ln>
+        </p:spPr>
+        <p:style>
+          <a:lnRef idx="1">
+            <a:schemeClr val="accent1"/>
+          </a:lnRef>
+          <a:fillRef idx="0">
+            <a:schemeClr val="accent1"/>
+          </a:fillRef>
+          <a:effectRef idx="0">
+            <a:schemeClr val="accent1"/>
+          </a:effectRef>
+          <a:fontRef idx="minor">
+            <a:schemeClr val="tx1"/>
+          </a:fontRef>
+        </p:style>
+      </p:cxnSp>
+    </p:spTree>
+  </p:cSld>
+  <p:clrMapOvr>
+    <a:masterClrMapping/>
+  </p:clrMapOvr>
+</p:sld>
+</file>
+
 <file path=ppt/slides/slide8.xml><?xml version="1.0" encoding="utf-8"?>
 <p:sld xmlns:a="http://schemas.openxmlformats.org/drawingml/2006/main" xmlns:r="http://schemas.openxmlformats.org/officeDocument/2006/relationships" xmlns:p="http://schemas.openxmlformats.org/presentationml/2006/main">
   <p:cSld>
@@ -37053,109 +38136,629 @@
             <p:ph type="title"/>
           </p:nvPr>
         </p:nvSpPr>
-        <p:spPr/>
+        <p:spPr>
+          <a:xfrm>
+            <a:off x="2590800" y="19989"/>
+            <a:ext cx="6518479" cy="732366"/>
+          </a:xfrm>
+        </p:spPr>
         <p:txBody>
           <a:bodyPr/>
           <a:lstStyle/>
           <a:p>
             <a:r>
-              <a:rPr lang="en-US" dirty="0" smtClean="0"/>
-              <a:t>SLAM Background</a:t>
-            </a:r>
-            <a:endParaRPr lang="en-US" dirty="0"/>
-          </a:p>
-        </p:txBody>
-      </p:sp>
-      <p:sp>
-        <p:nvSpPr>
-          <p:cNvPr id="4" name="Content Placeholder 3"/>
-          <p:cNvSpPr>
-            <a:spLocks noGrp="1"/>
-          </p:cNvSpPr>
-          <p:nvPr>
-            <p:ph sz="half" idx="1"/>
-          </p:nvPr>
-        </p:nvSpPr>
-        <p:spPr/>
-        <p:txBody>
-          <a:bodyPr>
-            <a:normAutofit fontScale="92500" lnSpcReduction="20000"/>
+              <a:rPr lang="en-US" sz="2800" dirty="0" smtClean="0"/>
+              <a:t>Common Platform Components</a:t>
+            </a:r>
+            <a:endParaRPr lang="en-US" sz="2800" dirty="0"/>
+          </a:p>
+        </p:txBody>
+      </p:sp>
+      <p:pic>
+        <p:nvPicPr>
+          <p:cNvPr id="4098" name="Picture 2" descr="http://www.hobbyking.com/hobbyking/store/catalog/61487.jpg"/>
+          <p:cNvPicPr>
+            <a:picLocks noGrp="1" noChangeAspect="1" noChangeArrowheads="1"/>
+          </p:cNvPicPr>
+          <p:nvPr>
+            <p:ph idx="1"/>
+          </p:nvPr>
+        </p:nvPicPr>
+        <p:blipFill>
+          <a:blip r:embed="rId2" cstate="print"/>
+          <a:srcRect/>
+          <a:stretch>
+            <a:fillRect/>
+          </a:stretch>
+        </p:blipFill>
+        <p:spPr bwMode="auto">
+          <a:xfrm>
+            <a:off x="152400" y="1371600"/>
+            <a:ext cx="3119783" cy="2286000"/>
+          </a:xfrm>
+          <a:prstGeom prst="rect">
+            <a:avLst/>
+          </a:prstGeom>
+          <a:noFill/>
+        </p:spPr>
+      </p:pic>
+      <p:sp>
+        <p:nvSpPr>
+          <p:cNvPr id="6" name="TextBox 5"/>
+          <p:cNvSpPr txBox="1"/>
+          <p:nvPr/>
+        </p:nvSpPr>
+        <p:spPr>
+          <a:xfrm>
+            <a:off x="2514600" y="6230779"/>
+            <a:ext cx="4191000" cy="246221"/>
+          </a:xfrm>
+          <a:prstGeom prst="rect">
+            <a:avLst/>
+          </a:prstGeom>
+          <a:noFill/>
+        </p:spPr>
+        <p:txBody>
+          <a:bodyPr wrap="square" rtlCol="0">
+            <a:spAutoFit/>
           </a:bodyPr>
           <a:lstStyle/>
           <a:p>
             <a:r>
-              <a:rPr lang="en-US" dirty="0" smtClean="0"/>
-              <a:t>SLAM = Simultaneous Localization and Mapping</a:t>
-            </a:r>
-          </a:p>
-          <a:p>
-            <a:r>
-              <a:rPr lang="en-US" dirty="0" smtClean="0"/>
-              <a:t>Family of algorithms used for robotic exploration</a:t>
-            </a:r>
-          </a:p>
-          <a:p>
-            <a:r>
-              <a:rPr lang="en-US" dirty="0" smtClean="0"/>
-              <a:t>Localizes a robot using sensor </a:t>
-            </a:r>
-            <a:r>
-              <a:rPr lang="en-US" dirty="0" err="1" smtClean="0"/>
-              <a:t>odometry</a:t>
-            </a:r>
-            <a:r>
-              <a:rPr lang="en-US" dirty="0" smtClean="0"/>
-              <a:t> and map landmarks</a:t>
-            </a:r>
-          </a:p>
-          <a:p>
-            <a:r>
-              <a:rPr lang="en-US" dirty="0" smtClean="0"/>
-              <a:t>Updates map landmarks as it goes</a:t>
-            </a:r>
-          </a:p>
-          <a:p>
-            <a:r>
-              <a:rPr lang="en-US" dirty="0" smtClean="0"/>
-              <a:t>Uses estimation filters</a:t>
-            </a:r>
-          </a:p>
-          <a:p>
-            <a:pPr>
-              <a:buNone/>
-            </a:pPr>
-            <a:endParaRPr lang="en-US" dirty="0"/>
-          </a:p>
-        </p:txBody>
-      </p:sp>
-      <p:sp>
-        <p:nvSpPr>
-          <p:cNvPr id="5" name="Content Placeholder 4"/>
-          <p:cNvSpPr>
-            <a:spLocks noGrp="1"/>
-          </p:cNvSpPr>
-          <p:nvPr>
-            <p:ph sz="half" idx="2"/>
-          </p:nvPr>
-        </p:nvSpPr>
-        <p:spPr/>
-        <p:txBody>
-          <a:bodyPr>
-            <a:normAutofit fontScale="92500" lnSpcReduction="20000"/>
+              <a:rPr lang="en-US" sz="1000" dirty="0" err="1" smtClean="0"/>
+              <a:t>Quadrotor</a:t>
+            </a:r>
+            <a:r>
+              <a:rPr lang="en-US" sz="1000" dirty="0" smtClean="0"/>
+              <a:t> frame image from: hobbyking.com</a:t>
+            </a:r>
+            <a:endParaRPr lang="en-US" sz="1000" dirty="0"/>
+          </a:p>
+        </p:txBody>
+      </p:sp>
+      <p:sp>
+        <p:nvSpPr>
+          <p:cNvPr id="9" name="TextBox 8"/>
+          <p:cNvSpPr txBox="1"/>
+          <p:nvPr/>
+        </p:nvSpPr>
+        <p:spPr>
+          <a:xfrm>
+            <a:off x="228600" y="3733800"/>
+            <a:ext cx="3048000" cy="338554"/>
+          </a:xfrm>
+          <a:prstGeom prst="rect">
+            <a:avLst/>
+          </a:prstGeom>
+          <a:noFill/>
+        </p:spPr>
+        <p:txBody>
+          <a:bodyPr wrap="square" rtlCol="0">
+            <a:spAutoFit/>
           </a:bodyPr>
           <a:lstStyle/>
           <a:p>
+            <a:pPr algn="ctr"/>
+            <a:r>
+              <a:rPr lang="en-US" sz="1600" b="1" dirty="0" err="1" smtClean="0"/>
+              <a:t>Quadcopter</a:t>
+            </a:r>
+            <a:r>
+              <a:rPr lang="en-US" sz="1600" b="1" dirty="0" smtClean="0"/>
+              <a:t> Frame*</a:t>
+            </a:r>
+            <a:endParaRPr lang="en-US" sz="1600" b="1" dirty="0"/>
+          </a:p>
+        </p:txBody>
+      </p:sp>
+      <p:pic>
+        <p:nvPicPr>
+          <p:cNvPr id="4104" name="Picture 8" descr="https://pixhawk.org/_media/modules/pixhawk-logo-view.jpg?w=400&amp;tok=331821"/>
+          <p:cNvPicPr>
+            <a:picLocks noChangeAspect="1" noChangeArrowheads="1"/>
+          </p:cNvPicPr>
+          <p:nvPr/>
+        </p:nvPicPr>
+        <p:blipFill>
+          <a:blip r:embed="rId3" cstate="print"/>
+          <a:srcRect/>
+          <a:stretch>
+            <a:fillRect/>
+          </a:stretch>
+        </p:blipFill>
+        <p:spPr bwMode="auto">
+          <a:xfrm>
+            <a:off x="3581400" y="1524000"/>
+            <a:ext cx="2209800" cy="2209800"/>
+          </a:xfrm>
+          <a:prstGeom prst="rect">
+            <a:avLst/>
+          </a:prstGeom>
+          <a:noFill/>
+        </p:spPr>
+      </p:pic>
+      <p:sp>
+        <p:nvSpPr>
+          <p:cNvPr id="12" name="TextBox 11"/>
+          <p:cNvSpPr txBox="1"/>
+          <p:nvPr/>
+        </p:nvSpPr>
+        <p:spPr>
+          <a:xfrm>
+            <a:off x="3124200" y="3733800"/>
+            <a:ext cx="3048000" cy="338554"/>
+          </a:xfrm>
+          <a:prstGeom prst="rect">
+            <a:avLst/>
+          </a:prstGeom>
+          <a:noFill/>
+        </p:spPr>
+        <p:txBody>
+          <a:bodyPr wrap="square" rtlCol="0">
+            <a:spAutoFit/>
+          </a:bodyPr>
+          <a:lstStyle/>
+          <a:p>
+            <a:pPr algn="ctr"/>
+            <a:r>
+              <a:rPr lang="en-US" sz="1600" b="1" dirty="0" err="1" smtClean="0"/>
+              <a:t>Pixhawk</a:t>
+            </a:r>
+            <a:r>
+              <a:rPr lang="en-US" sz="1600" b="1" dirty="0" smtClean="0"/>
+              <a:t> Autopilot</a:t>
+            </a:r>
+            <a:endParaRPr lang="en-US" sz="1600" b="1" dirty="0"/>
+          </a:p>
+        </p:txBody>
+      </p:sp>
+      <p:sp>
+        <p:nvSpPr>
+          <p:cNvPr id="13" name="TextBox 12"/>
+          <p:cNvSpPr txBox="1"/>
+          <p:nvPr/>
+        </p:nvSpPr>
+        <p:spPr>
+          <a:xfrm>
+            <a:off x="2514600" y="6410980"/>
+            <a:ext cx="4191000" cy="246221"/>
+          </a:xfrm>
+          <a:prstGeom prst="rect">
+            <a:avLst/>
+          </a:prstGeom>
+          <a:noFill/>
+        </p:spPr>
+        <p:txBody>
+          <a:bodyPr wrap="square" rtlCol="0">
+            <a:spAutoFit/>
+          </a:bodyPr>
+          <a:lstStyle/>
+          <a:p>
+            <a:r>
+              <a:rPr lang="en-US" sz="1000" dirty="0" err="1" smtClean="0"/>
+              <a:t>Pixhawk</a:t>
+            </a:r>
+            <a:r>
+              <a:rPr lang="en-US" sz="1000" dirty="0" smtClean="0"/>
+              <a:t> image from</a:t>
+            </a:r>
+            <a:r>
+              <a:rPr lang="en-US" sz="1000" dirty="0" smtClean="0"/>
+              <a:t>: </a:t>
+            </a:r>
+            <a:r>
+              <a:rPr lang="en-US" sz="1000" dirty="0" smtClean="0"/>
+              <a:t>pixhawk.org</a:t>
+            </a:r>
+            <a:endParaRPr lang="en-US" sz="1000" dirty="0"/>
+          </a:p>
+        </p:txBody>
+      </p:sp>
+      <p:pic>
+        <p:nvPicPr>
+          <p:cNvPr id="4106" name="Picture 10" descr="FLiR Dev Kit"/>
+          <p:cNvPicPr>
+            <a:picLocks noChangeAspect="1" noChangeArrowheads="1"/>
+          </p:cNvPicPr>
+          <p:nvPr/>
+        </p:nvPicPr>
+        <p:blipFill>
+          <a:blip r:embed="rId4" cstate="print"/>
+          <a:srcRect/>
+          <a:stretch>
+            <a:fillRect/>
+          </a:stretch>
+        </p:blipFill>
+        <p:spPr bwMode="auto">
+          <a:xfrm>
+            <a:off x="6324600" y="1447800"/>
+            <a:ext cx="2209800" cy="2209800"/>
+          </a:xfrm>
+          <a:prstGeom prst="rect">
+            <a:avLst/>
+          </a:prstGeom>
+          <a:noFill/>
+        </p:spPr>
+      </p:pic>
+      <p:sp>
+        <p:nvSpPr>
+          <p:cNvPr id="15" name="TextBox 14"/>
+          <p:cNvSpPr txBox="1"/>
+          <p:nvPr/>
+        </p:nvSpPr>
+        <p:spPr>
+          <a:xfrm>
+            <a:off x="6096000" y="3733800"/>
+            <a:ext cx="3048000" cy="338554"/>
+          </a:xfrm>
+          <a:prstGeom prst="rect">
+            <a:avLst/>
+          </a:prstGeom>
+          <a:noFill/>
+        </p:spPr>
+        <p:txBody>
+          <a:bodyPr wrap="square" rtlCol="0">
+            <a:spAutoFit/>
+          </a:bodyPr>
+          <a:lstStyle/>
+          <a:p>
+            <a:pPr algn="ctr"/>
+            <a:r>
+              <a:rPr lang="en-US" sz="1600" b="1" dirty="0" err="1" smtClean="0"/>
+              <a:t>FLiR</a:t>
+            </a:r>
+            <a:r>
+              <a:rPr lang="en-US" sz="1600" b="1" dirty="0" smtClean="0"/>
+              <a:t> Sensor</a:t>
+            </a:r>
+            <a:endParaRPr lang="en-US" sz="1600" b="1" dirty="0"/>
+          </a:p>
+        </p:txBody>
+      </p:sp>
+      <p:sp>
+        <p:nvSpPr>
+          <p:cNvPr id="16" name="TextBox 15"/>
+          <p:cNvSpPr txBox="1"/>
+          <p:nvPr/>
+        </p:nvSpPr>
+        <p:spPr>
+          <a:xfrm>
+            <a:off x="2514600" y="6611779"/>
+            <a:ext cx="4191000" cy="246221"/>
+          </a:xfrm>
+          <a:prstGeom prst="rect">
+            <a:avLst/>
+          </a:prstGeom>
+          <a:noFill/>
+        </p:spPr>
+        <p:txBody>
+          <a:bodyPr wrap="square" rtlCol="0">
+            <a:spAutoFit/>
+          </a:bodyPr>
+          <a:lstStyle/>
+          <a:p>
+            <a:r>
+              <a:rPr lang="en-US" sz="1000" dirty="0" err="1" smtClean="0"/>
+              <a:t>FLiR</a:t>
+            </a:r>
+            <a:r>
+              <a:rPr lang="en-US" sz="1000" dirty="0" smtClean="0"/>
+              <a:t> Sensor image from</a:t>
+            </a:r>
+            <a:r>
+              <a:rPr lang="en-US" sz="1000" dirty="0" smtClean="0"/>
+              <a:t>: sparkfun.com</a:t>
+            </a:r>
+            <a:endParaRPr lang="en-US" sz="1000" dirty="0"/>
+          </a:p>
+        </p:txBody>
+      </p:sp>
+      <p:pic>
+        <p:nvPicPr>
+          <p:cNvPr id="4108" name="Picture 12" descr="LIDAR-Lite v2"/>
+          <p:cNvPicPr>
+            <a:picLocks noChangeAspect="1" noChangeArrowheads="1"/>
+          </p:cNvPicPr>
+          <p:nvPr/>
+        </p:nvPicPr>
+        <p:blipFill>
+          <a:blip r:embed="rId5" cstate="print"/>
+          <a:srcRect l="16000" t="26667" r="32000" b="8000"/>
+          <a:stretch>
+            <a:fillRect/>
+          </a:stretch>
+        </p:blipFill>
+        <p:spPr bwMode="auto">
+          <a:xfrm>
+            <a:off x="1295400" y="4114800"/>
+            <a:ext cx="1066800" cy="1340338"/>
+          </a:xfrm>
+          <a:prstGeom prst="rect">
+            <a:avLst/>
+          </a:prstGeom>
+          <a:noFill/>
+        </p:spPr>
+      </p:pic>
+      <p:sp>
+        <p:nvSpPr>
+          <p:cNvPr id="18" name="TextBox 17"/>
+          <p:cNvSpPr txBox="1"/>
+          <p:nvPr/>
+        </p:nvSpPr>
+        <p:spPr>
+          <a:xfrm>
+            <a:off x="381000" y="5334000"/>
+            <a:ext cx="3048000" cy="338554"/>
+          </a:xfrm>
+          <a:prstGeom prst="rect">
+            <a:avLst/>
+          </a:prstGeom>
+          <a:noFill/>
+        </p:spPr>
+        <p:txBody>
+          <a:bodyPr wrap="square" rtlCol="0">
+            <a:spAutoFit/>
+          </a:bodyPr>
+          <a:lstStyle/>
+          <a:p>
+            <a:pPr algn="ctr"/>
+            <a:r>
+              <a:rPr lang="en-US" sz="1600" b="1" dirty="0" smtClean="0"/>
+              <a:t>Laser Altimeter*</a:t>
+            </a:r>
+            <a:endParaRPr lang="en-US" sz="1600" b="1" dirty="0"/>
+          </a:p>
+        </p:txBody>
+      </p:sp>
+      <p:sp>
+        <p:nvSpPr>
+          <p:cNvPr id="19" name="TextBox 18"/>
+          <p:cNvSpPr txBox="1"/>
+          <p:nvPr/>
+        </p:nvSpPr>
+        <p:spPr>
+          <a:xfrm>
+            <a:off x="0" y="6276201"/>
+            <a:ext cx="4191000" cy="246221"/>
+          </a:xfrm>
+          <a:prstGeom prst="rect">
+            <a:avLst/>
+          </a:prstGeom>
+          <a:noFill/>
+        </p:spPr>
+        <p:txBody>
+          <a:bodyPr wrap="square" rtlCol="0">
+            <a:spAutoFit/>
+          </a:bodyPr>
+          <a:lstStyle/>
+          <a:p>
+            <a:r>
+              <a:rPr lang="en-US" sz="1000" dirty="0" smtClean="0"/>
+              <a:t>Laser Altimeter image from</a:t>
+            </a:r>
+            <a:r>
+              <a:rPr lang="en-US" sz="1000" dirty="0" smtClean="0"/>
+              <a:t>: sparkfun.com</a:t>
+            </a:r>
+            <a:endParaRPr lang="en-US" sz="1000" dirty="0"/>
+          </a:p>
+        </p:txBody>
+      </p:sp>
+      <p:pic>
+        <p:nvPicPr>
+          <p:cNvPr id="4110" name="Picture 14" descr="odroid-xu3.jpg"/>
+          <p:cNvPicPr>
+            <a:picLocks noChangeAspect="1" noChangeArrowheads="1"/>
+          </p:cNvPicPr>
+          <p:nvPr/>
+        </p:nvPicPr>
+        <p:blipFill>
+          <a:blip r:embed="rId6" cstate="print"/>
+          <a:srcRect/>
+          <a:stretch>
+            <a:fillRect/>
+          </a:stretch>
+        </p:blipFill>
+        <p:spPr bwMode="auto">
+          <a:xfrm>
+            <a:off x="3810000" y="4191000"/>
+            <a:ext cx="1842595" cy="1068706"/>
+          </a:xfrm>
+          <a:prstGeom prst="rect">
+            <a:avLst/>
+          </a:prstGeom>
+          <a:noFill/>
+        </p:spPr>
+      </p:pic>
+      <p:sp>
+        <p:nvSpPr>
+          <p:cNvPr id="21" name="TextBox 20"/>
+          <p:cNvSpPr txBox="1"/>
+          <p:nvPr/>
+        </p:nvSpPr>
+        <p:spPr>
+          <a:xfrm>
+            <a:off x="2971800" y="5334000"/>
+            <a:ext cx="3048000" cy="338554"/>
+          </a:xfrm>
+          <a:prstGeom prst="rect">
+            <a:avLst/>
+          </a:prstGeom>
+          <a:noFill/>
+        </p:spPr>
+        <p:txBody>
+          <a:bodyPr wrap="square" rtlCol="0">
+            <a:spAutoFit/>
+          </a:bodyPr>
+          <a:lstStyle/>
+          <a:p>
+            <a:pPr algn="ctr"/>
+            <a:r>
+              <a:rPr lang="en-US" sz="1600" b="1" dirty="0" smtClean="0"/>
+              <a:t>Embedded Processor*</a:t>
+            </a:r>
+            <a:endParaRPr lang="en-US" sz="1600" b="1" dirty="0"/>
+          </a:p>
+        </p:txBody>
+      </p:sp>
+      <p:pic>
+        <p:nvPicPr>
+          <p:cNvPr id="4112" name="Picture 16" descr="Edimax WiFi Adapter (EW-7811UN)"/>
+          <p:cNvPicPr>
+            <a:picLocks noChangeAspect="1" noChangeArrowheads="1"/>
+          </p:cNvPicPr>
+          <p:nvPr/>
+        </p:nvPicPr>
+        <p:blipFill>
+          <a:blip r:embed="rId7" cstate="print"/>
+          <a:srcRect/>
+          <a:stretch>
+            <a:fillRect/>
+          </a:stretch>
+        </p:blipFill>
+        <p:spPr bwMode="auto">
+          <a:xfrm>
+            <a:off x="7162800" y="4191000"/>
+            <a:ext cx="990600" cy="990600"/>
+          </a:xfrm>
+          <a:prstGeom prst="rect">
+            <a:avLst/>
+          </a:prstGeom>
+          <a:noFill/>
+        </p:spPr>
+      </p:pic>
+      <p:sp>
+        <p:nvSpPr>
+          <p:cNvPr id="23" name="TextBox 22"/>
+          <p:cNvSpPr txBox="1"/>
+          <p:nvPr/>
+        </p:nvSpPr>
+        <p:spPr>
+          <a:xfrm>
+            <a:off x="6096000" y="5334000"/>
+            <a:ext cx="3048000" cy="338554"/>
+          </a:xfrm>
+          <a:prstGeom prst="rect">
+            <a:avLst/>
+          </a:prstGeom>
+          <a:noFill/>
+        </p:spPr>
+        <p:txBody>
+          <a:bodyPr wrap="square" rtlCol="0">
+            <a:spAutoFit/>
+          </a:bodyPr>
+          <a:lstStyle/>
+          <a:p>
+            <a:pPr algn="ctr"/>
+            <a:r>
+              <a:rPr lang="en-US" sz="1600" b="1" dirty="0" err="1" smtClean="0"/>
+              <a:t>WiFi</a:t>
+            </a:r>
+            <a:r>
+              <a:rPr lang="en-US" sz="1600" b="1" dirty="0" smtClean="0"/>
+              <a:t> Radio Link</a:t>
+            </a:r>
+            <a:endParaRPr lang="en-US" sz="1600" b="1" dirty="0"/>
+          </a:p>
+        </p:txBody>
+      </p:sp>
+      <p:sp>
+        <p:nvSpPr>
+          <p:cNvPr id="24" name="TextBox 23"/>
+          <p:cNvSpPr txBox="1"/>
+          <p:nvPr/>
+        </p:nvSpPr>
+        <p:spPr>
+          <a:xfrm>
+            <a:off x="0" y="6428601"/>
+            <a:ext cx="4191000" cy="246221"/>
+          </a:xfrm>
+          <a:prstGeom prst="rect">
+            <a:avLst/>
+          </a:prstGeom>
+          <a:noFill/>
+        </p:spPr>
+        <p:txBody>
+          <a:bodyPr wrap="square" rtlCol="0">
+            <a:spAutoFit/>
+          </a:bodyPr>
+          <a:lstStyle/>
+          <a:p>
+            <a:r>
+              <a:rPr lang="en-US" sz="1000" dirty="0" smtClean="0"/>
+              <a:t>Embedded Proc. image from</a:t>
+            </a:r>
+            <a:r>
+              <a:rPr lang="en-US" sz="1000" dirty="0" smtClean="0"/>
+              <a:t>: hardkernel.com</a:t>
+            </a:r>
+            <a:endParaRPr lang="en-US" sz="1000" dirty="0"/>
+          </a:p>
+        </p:txBody>
+      </p:sp>
+      <p:sp>
+        <p:nvSpPr>
+          <p:cNvPr id="25" name="TextBox 24"/>
+          <p:cNvSpPr txBox="1"/>
+          <p:nvPr/>
+        </p:nvSpPr>
+        <p:spPr>
+          <a:xfrm>
+            <a:off x="0" y="6581001"/>
+            <a:ext cx="4191000" cy="246221"/>
+          </a:xfrm>
+          <a:prstGeom prst="rect">
+            <a:avLst/>
+          </a:prstGeom>
+          <a:noFill/>
+        </p:spPr>
+        <p:txBody>
+          <a:bodyPr wrap="square" rtlCol="0">
+            <a:spAutoFit/>
+          </a:bodyPr>
+          <a:lstStyle/>
+          <a:p>
+            <a:r>
+              <a:rPr lang="en-US" sz="1000" dirty="0" err="1" smtClean="0"/>
+              <a:t>WiFi</a:t>
+            </a:r>
+            <a:r>
+              <a:rPr lang="en-US" sz="1000" dirty="0" smtClean="0"/>
+              <a:t> Radio Link image from</a:t>
+            </a:r>
+            <a:r>
+              <a:rPr lang="en-US" sz="1000" dirty="0" smtClean="0"/>
+              <a:t>: sparkfun.com</a:t>
+            </a:r>
+            <a:endParaRPr lang="en-US" sz="1000" dirty="0"/>
+          </a:p>
+        </p:txBody>
+      </p:sp>
+      <p:sp>
+        <p:nvSpPr>
+          <p:cNvPr id="26" name="TextBox 25"/>
+          <p:cNvSpPr txBox="1"/>
+          <p:nvPr/>
+        </p:nvSpPr>
+        <p:spPr>
+          <a:xfrm>
+            <a:off x="0" y="5943600"/>
+            <a:ext cx="4876800" cy="369332"/>
+          </a:xfrm>
+          <a:prstGeom prst="rect">
+            <a:avLst/>
+          </a:prstGeom>
+          <a:noFill/>
+        </p:spPr>
+        <p:txBody>
+          <a:bodyPr wrap="square" rtlCol="0">
+            <a:spAutoFit/>
+          </a:bodyPr>
+          <a:lstStyle/>
+          <a:p>
             <a:r>
               <a:rPr lang="en-US" dirty="0" smtClean="0"/>
-              <a:t>@Steve: </a:t>
-            </a:r>
-            <a:r>
-              <a:rPr lang="en-US" dirty="0" smtClean="0"/>
-              <a:t>put a </a:t>
-            </a:r>
-            <a:r>
-              <a:rPr lang="en-US" dirty="0" smtClean="0"/>
-              <a:t>point cloud map here</a:t>
+              <a:t>* Indicates design options being evaluated</a:t>
             </a:r>
             <a:endParaRPr lang="en-US" dirty="0"/>
           </a:p>
@@ -37203,7 +38806,7 @@
           <a:p>
             <a:r>
               <a:rPr lang="en-US" dirty="0" smtClean="0"/>
-              <a:t>Platform Architecture</a:t>
+              <a:t>SLAM Sensors</a:t>
             </a:r>
             <a:endParaRPr lang="en-US" dirty="0"/>
           </a:p>
@@ -37211,30 +38814,210 @@
       </p:sp>
       <p:sp>
         <p:nvSpPr>
-          <p:cNvPr id="5" name="Content Placeholder 4"/>
+          <p:cNvPr id="8" name="Content Placeholder 7"/>
           <p:cNvSpPr>
             <a:spLocks noGrp="1"/>
           </p:cNvSpPr>
           <p:nvPr>
-            <p:ph idx="1"/>
+            <p:ph sz="half" idx="1"/>
           </p:nvPr>
         </p:nvSpPr>
         <p:spPr/>
         <p:txBody>
-          <a:bodyPr/>
+          <a:bodyPr>
+            <a:normAutofit fontScale="85000" lnSpcReduction="20000"/>
+          </a:bodyPr>
           <a:lstStyle/>
           <a:p>
             <a:r>
+              <a:rPr lang="en-US" dirty="0" err="1" smtClean="0"/>
+              <a:t>LiDAR</a:t>
+            </a:r>
+            <a:r>
               <a:rPr lang="en-US" dirty="0" smtClean="0"/>
-              <a:t>@Austin: Picture of platform and sensors here</a:t>
-            </a:r>
-          </a:p>
-          <a:p>
+              <a:t> and monocular camera</a:t>
+            </a:r>
+          </a:p>
+          <a:p>
+            <a:r>
+              <a:rPr lang="en-US" dirty="0" err="1" smtClean="0"/>
+              <a:t>LiDAR</a:t>
+            </a:r>
             <a:r>
               <a:rPr lang="en-US" dirty="0" smtClean="0"/>
-              <a:t>@Steve: I can take this section</a:t>
+              <a:t> provides 2-D scans</a:t>
+            </a:r>
+          </a:p>
+          <a:p>
+            <a:r>
+              <a:rPr lang="en-US" dirty="0" smtClean="0"/>
+              <a:t>Camera supplements scans </a:t>
+            </a:r>
+          </a:p>
+          <a:p>
+            <a:r>
+              <a:rPr lang="en-US" dirty="0" err="1" smtClean="0"/>
+              <a:t>LiDAR</a:t>
+            </a:r>
+            <a:r>
+              <a:rPr lang="en-US" dirty="0" smtClean="0"/>
+              <a:t> is robust to lighting conditions</a:t>
+            </a:r>
+          </a:p>
+          <a:p>
+            <a:r>
+              <a:rPr lang="en-US" dirty="0" smtClean="0"/>
+              <a:t>Platform can fly fast</a:t>
+            </a:r>
+          </a:p>
+          <a:p>
+            <a:r>
+              <a:rPr lang="en-US" dirty="0" smtClean="0"/>
+              <a:t>Relatively light processing requirement</a:t>
+            </a:r>
+          </a:p>
+          <a:p>
+            <a:r>
+              <a:rPr lang="en-US" dirty="0" err="1" smtClean="0"/>
+              <a:t>LiDAR</a:t>
+            </a:r>
+            <a:r>
+              <a:rPr lang="en-US" dirty="0" smtClean="0"/>
+              <a:t> is heavy/expensive </a:t>
             </a:r>
             <a:endParaRPr lang="en-US" dirty="0"/>
+          </a:p>
+        </p:txBody>
+      </p:sp>
+      <p:pic>
+        <p:nvPicPr>
+          <p:cNvPr id="10" name="Picture 2" descr="Hokuyo URG-04LX-UG01 Scanning Laser Rangefinder"/>
+          <p:cNvPicPr>
+            <a:picLocks noChangeAspect="1" noChangeArrowheads="1"/>
+          </p:cNvPicPr>
+          <p:nvPr/>
+        </p:nvPicPr>
+        <p:blipFill>
+          <a:blip r:embed="rId2" cstate="print"/>
+          <a:srcRect l="17391" r="5797" b="5797"/>
+          <a:stretch>
+            <a:fillRect/>
+          </a:stretch>
+        </p:blipFill>
+        <p:spPr bwMode="auto">
+          <a:xfrm>
+            <a:off x="4800600" y="2590800"/>
+            <a:ext cx="2174631" cy="2667000"/>
+          </a:xfrm>
+          <a:prstGeom prst="rect">
+            <a:avLst/>
+          </a:prstGeom>
+          <a:noFill/>
+        </p:spPr>
+      </p:pic>
+      <p:pic>
+        <p:nvPicPr>
+          <p:cNvPr id="11" name="Picture 4" descr="Raspberry Pi Camera Module"/>
+          <p:cNvPicPr>
+            <a:picLocks noChangeAspect="1" noChangeArrowheads="1"/>
+          </p:cNvPicPr>
+          <p:nvPr/>
+        </p:nvPicPr>
+        <p:blipFill>
+          <a:blip r:embed="rId3" cstate="print"/>
+          <a:srcRect/>
+          <a:stretch>
+            <a:fillRect/>
+          </a:stretch>
+        </p:blipFill>
+        <p:spPr bwMode="auto">
+          <a:xfrm>
+            <a:off x="7162800" y="3352800"/>
+            <a:ext cx="990600" cy="990600"/>
+          </a:xfrm>
+          <a:prstGeom prst="rect">
+            <a:avLst/>
+          </a:prstGeom>
+          <a:noFill/>
+        </p:spPr>
+      </p:pic>
+      <p:sp>
+        <p:nvSpPr>
+          <p:cNvPr id="12" name="TextBox 11"/>
+          <p:cNvSpPr txBox="1"/>
+          <p:nvPr/>
+        </p:nvSpPr>
+        <p:spPr>
+          <a:xfrm>
+            <a:off x="0" y="6441758"/>
+            <a:ext cx="4191000" cy="246221"/>
+          </a:xfrm>
+          <a:prstGeom prst="rect">
+            <a:avLst/>
+          </a:prstGeom>
+          <a:noFill/>
+        </p:spPr>
+        <p:txBody>
+          <a:bodyPr wrap="square" rtlCol="0">
+            <a:spAutoFit/>
+          </a:bodyPr>
+          <a:lstStyle/>
+          <a:p>
+            <a:r>
+              <a:rPr lang="en-US" sz="1000" dirty="0" smtClean="0"/>
+              <a:t>Hokuyo </a:t>
+            </a:r>
+            <a:r>
+              <a:rPr lang="en-US" sz="1000" dirty="0" err="1" smtClean="0"/>
+              <a:t>Lidar</a:t>
+            </a:r>
+            <a:r>
+              <a:rPr lang="en-US" sz="1000" dirty="0" smtClean="0"/>
+              <a:t> image from</a:t>
+            </a:r>
+            <a:r>
+              <a:rPr lang="en-US" sz="1000" dirty="0" smtClean="0"/>
+              <a:t>: robotshop.com</a:t>
+            </a:r>
+            <a:endParaRPr lang="en-US" sz="1000" dirty="0"/>
+          </a:p>
+        </p:txBody>
+      </p:sp>
+      <p:sp>
+        <p:nvSpPr>
+          <p:cNvPr id="13" name="TextBox 12"/>
+          <p:cNvSpPr txBox="1"/>
+          <p:nvPr/>
+        </p:nvSpPr>
+        <p:spPr>
+          <a:xfrm>
+            <a:off x="0" y="6611779"/>
+            <a:ext cx="4191000" cy="246221"/>
+          </a:xfrm>
+          <a:prstGeom prst="rect">
+            <a:avLst/>
+          </a:prstGeom>
+          <a:noFill/>
+        </p:spPr>
+        <p:txBody>
+          <a:bodyPr wrap="square" rtlCol="0">
+            <a:spAutoFit/>
+          </a:bodyPr>
+          <a:lstStyle/>
+          <a:p>
+            <a:r>
+              <a:rPr lang="en-US" sz="1000" dirty="0" smtClean="0"/>
+              <a:t>Monocular camera image from</a:t>
+            </a:r>
+            <a:r>
+              <a:rPr lang="en-US" sz="1000" dirty="0" smtClean="0"/>
+              <a:t>: </a:t>
+            </a:r>
+            <a:r>
+              <a:rPr lang="en-US" sz="1000" dirty="0" smtClean="0"/>
+              <a:t>sparkfun.com</a:t>
+            </a:r>
+            <a:endParaRPr lang="en-US" sz="1000" dirty="0"/>
           </a:p>
         </p:txBody>
       </p:sp>
